--- a/house_of_cardinality.pptx
+++ b/house_of_cardinality.pptx
@@ -5,7 +5,7 @@
     <p:sldMasterId id="2147483783" r:id="rId1"/>
   </p:sldMasterIdLst>
   <p:notesMasterIdLst>
-    <p:notesMasterId r:id="rId27"/>
+    <p:notesMasterId r:id="rId29"/>
   </p:notesMasterIdLst>
   <p:sldIdLst>
     <p:sldId id="256" r:id="rId2"/>
@@ -24,15 +24,17 @@
     <p:sldId id="263" r:id="rId15"/>
     <p:sldId id="276" r:id="rId16"/>
     <p:sldId id="275" r:id="rId17"/>
-    <p:sldId id="274" r:id="rId18"/>
-    <p:sldId id="273" r:id="rId19"/>
-    <p:sldId id="264" r:id="rId20"/>
-    <p:sldId id="265" r:id="rId21"/>
-    <p:sldId id="266" r:id="rId22"/>
-    <p:sldId id="267" r:id="rId23"/>
-    <p:sldId id="262" r:id="rId24"/>
-    <p:sldId id="271" r:id="rId25"/>
-    <p:sldId id="272" r:id="rId26"/>
+    <p:sldId id="284" r:id="rId18"/>
+    <p:sldId id="274" r:id="rId19"/>
+    <p:sldId id="273" r:id="rId20"/>
+    <p:sldId id="264" r:id="rId21"/>
+    <p:sldId id="265" r:id="rId22"/>
+    <p:sldId id="266" r:id="rId23"/>
+    <p:sldId id="283" r:id="rId24"/>
+    <p:sldId id="282" r:id="rId25"/>
+    <p:sldId id="262" r:id="rId26"/>
+    <p:sldId id="271" r:id="rId27"/>
+    <p:sldId id="272" r:id="rId28"/>
   </p:sldIdLst>
   <p:sldSz cx="12192000" cy="6858000"/>
   <p:notesSz cx="6858000" cy="9144000"/>
@@ -131,6 +133,11 @@
       </a:defRPr>
     </a:lvl9pPr>
   </p:defaultTextStyle>
+  <p:extLst>
+    <p:ext uri="{EFAFB233-063F-42B5-8137-9DF3F51BA10A}">
+      <p15:sldGuideLst xmlns:p15="http://schemas.microsoft.com/office/powerpoint/2012/main"/>
+    </p:ext>
+  </p:extLst>
 </p:presentation>
 </file>
 
@@ -216,7 +223,7 @@
           <a:p>
             <a:fld id="{EF1D07DE-EFCF-EE4E-A224-005FC327BA78}" type="datetimeFigureOut">
               <a:rPr lang="en-US" smtClean="0"/>
-              <a:t>3/1/20</a:t>
+              <a:t>3/2/20</a:t>
             </a:fld>
             <a:endParaRPr lang="en-US"/>
           </a:p>
@@ -727,7 +734,7 @@
           <a:p>
             <a:fld id="{9184DA70-C731-4C70-880D-CCD4705E623C}" type="datetime1">
               <a:rPr lang="en-US" smtClean="0"/>
-              <a:t>3/1/20</a:t>
+              <a:t>3/2/20</a:t>
             </a:fld>
             <a:endParaRPr lang="en-US" dirty="0"/>
           </a:p>
@@ -915,7 +922,7 @@
           <a:p>
             <a:fld id="{B612A279-0833-481D-8C56-F67FD0AC6C50}" type="datetime1">
               <a:rPr lang="en-US" smtClean="0"/>
-              <a:t>3/1/20</a:t>
+              <a:t>3/2/20</a:t>
             </a:fld>
             <a:endParaRPr lang="en-US" dirty="0"/>
           </a:p>
@@ -1157,7 +1164,7 @@
           <a:p>
             <a:fld id="{6587DA83-5663-4C9C-B9AA-0B40A3DAFF81}" type="datetime1">
               <a:rPr lang="en-US" smtClean="0"/>
-              <a:t>3/1/20</a:t>
+              <a:t>3/2/20</a:t>
             </a:fld>
             <a:endParaRPr lang="en-US" dirty="0"/>
           </a:p>
@@ -1345,7 +1352,7 @@
           <a:p>
             <a:fld id="{4BE1D723-8F53-4F53-90B0-1982A396982E}" type="datetime1">
               <a:rPr lang="en-US" smtClean="0"/>
-              <a:t>3/1/20</a:t>
+              <a:t>3/2/20</a:t>
             </a:fld>
             <a:endParaRPr lang="en-US" dirty="0"/>
           </a:p>
@@ -1718,7 +1725,7 @@
           <a:p>
             <a:fld id="{97669AF7-7BEB-44E4-9852-375E34362B5B}" type="datetime1">
               <a:rPr lang="en-US" smtClean="0"/>
-              <a:t>3/1/20</a:t>
+              <a:t>3/2/20</a:t>
             </a:fld>
             <a:endParaRPr lang="en-US" dirty="0"/>
           </a:p>
@@ -1973,7 +1980,7 @@
           <a:p>
             <a:fld id="{BAAAC38D-0552-4C82-B593-E6124DFADBE2}" type="datetime1">
               <a:rPr lang="en-US" smtClean="0"/>
-              <a:t>3/1/20</a:t>
+              <a:t>3/2/20</a:t>
             </a:fld>
             <a:endParaRPr lang="en-US" dirty="0"/>
           </a:p>
@@ -2370,7 +2377,7 @@
           <a:p>
             <a:fld id="{D9DF0F1C-5577-4ACB-BB62-DF8F3C494C7E}" type="datetime1">
               <a:rPr lang="en-US" smtClean="0"/>
-              <a:t>3/1/20</a:t>
+              <a:t>3/2/20</a:t>
             </a:fld>
             <a:endParaRPr lang="en-US" dirty="0"/>
           </a:p>
@@ -2506,7 +2513,7 @@
           <a:p>
             <a:fld id="{1775B394-D9F9-4F0C-B15D-605F45CB9E9F}" type="datetime1">
               <a:rPr lang="en-US" smtClean="0"/>
-              <a:t>3/1/20</a:t>
+              <a:t>3/2/20</a:t>
             </a:fld>
             <a:endParaRPr lang="en-US" dirty="0"/>
           </a:p>
@@ -2663,7 +2670,7 @@
           <a:p>
             <a:fld id="{39667345-2558-425A-8533-9BFDBCE15005}" type="datetime1">
               <a:rPr lang="en-US" smtClean="0"/>
-              <a:t>3/1/20</a:t>
+              <a:t>3/2/20</a:t>
             </a:fld>
             <a:endParaRPr lang="en-US" dirty="0"/>
           </a:p>
@@ -2992,7 +2999,7 @@
           <a:p>
             <a:fld id="{92BEA474-078D-4E9B-9B14-09A87B19DC46}" type="datetime1">
               <a:rPr lang="en-US" smtClean="0"/>
-              <a:t>3/1/20</a:t>
+              <a:t>3/2/20</a:t>
             </a:fld>
             <a:endParaRPr lang="en-US" dirty="0"/>
           </a:p>
@@ -3342,7 +3349,7 @@
           <a:p>
             <a:fld id="{4907D986-8816-4272-A432-0437A28A9828}" type="datetime1">
               <a:rPr lang="en-US" smtClean="0"/>
-              <a:t>3/1/20</a:t>
+              <a:t>3/2/20</a:t>
             </a:fld>
             <a:endParaRPr lang="en-US" dirty="0"/>
           </a:p>
@@ -3603,7 +3610,7 @@
           <a:p>
             <a:fld id="{62D6E202-B606-4609-B914-27C9371A1F6D}" type="datetime1">
               <a:rPr lang="en-US" smtClean="0"/>
-              <a:t>3/1/20</a:t>
+              <a:t>3/2/20</a:t>
             </a:fld>
             <a:endParaRPr lang="en-US" dirty="0"/>
           </a:p>
@@ -7091,6 +7098,14 @@
 <file path=ppt/slides/slide17.xml><?xml version="1.0" encoding="utf-8"?>
 <p:sld xmlns:a="http://schemas.openxmlformats.org/drawingml/2006/main" xmlns:r="http://schemas.openxmlformats.org/officeDocument/2006/relationships" xmlns:p="http://schemas.openxmlformats.org/presentationml/2006/main">
   <p:cSld>
+    <p:bg>
+      <p:bgPr>
+        <a:solidFill>
+          <a:schemeClr val="bg1"/>
+        </a:solidFill>
+        <a:effectLst/>
+      </p:bgPr>
+    </p:bg>
     <p:spTree>
       <p:nvGrpSpPr>
         <p:cNvPr id="1" name=""/>
@@ -7107,10 +7122,248 @@
       </p:grpSpPr>
       <p:sp>
         <p:nvSpPr>
-          <p:cNvPr id="5" name="Title 4">
-            <a:extLst>
-              <a:ext uri="{FF2B5EF4-FFF2-40B4-BE49-F238E27FC236}">
-                <a16:creationId xmlns:a16="http://schemas.microsoft.com/office/drawing/2014/main" id="{11E55461-827D-EC40-8A2D-0936A5385C02}"/>
+          <p:cNvPr id="2054" name="Rectangle 72">
+            <a:extLst>
+              <a:ext uri="{FF2B5EF4-FFF2-40B4-BE49-F238E27FC236}">
+                <a16:creationId xmlns:a16="http://schemas.microsoft.com/office/drawing/2014/main" id="{39E3965E-AC41-4711-9D10-E25ABB132D86}"/>
+              </a:ext>
+              <a:ext uri="{C183D7F6-B498-43B3-948B-1728B52AA6E4}">
+                <adec:decorative xmlns:adec="http://schemas.microsoft.com/office/drawing/2017/decorative" val="1"/>
+              </a:ext>
+            </a:extLst>
+          </p:cNvPr>
+          <p:cNvSpPr>
+            <a:spLocks noGrp="1" noRot="1" noChangeAspect="1" noMove="1" noResize="1" noEditPoints="1" noAdjustHandles="1" noChangeArrowheads="1" noChangeShapeType="1" noTextEdit="1"/>
+          </p:cNvSpPr>
+          <p:nvPr>
+            <p:extLst>
+              <p:ext uri="{386F3935-93C4-4BCD-93E2-E3B085C9AB24}">
+                <p16:designElem xmlns:p16="http://schemas.microsoft.com/office/powerpoint/2015/main" val="1"/>
+              </p:ext>
+            </p:extLst>
+          </p:nvPr>
+        </p:nvSpPr>
+        <p:spPr>
+          <a:xfrm>
+            <a:off x="3175" y="6400800"/>
+            <a:ext cx="12188825" cy="457200"/>
+          </a:xfrm>
+          <a:prstGeom prst="rect">
+            <a:avLst/>
+          </a:prstGeom>
+          <a:solidFill>
+            <a:srgbClr val="262626"/>
+          </a:solidFill>
+          <a:ln>
+            <a:noFill/>
+          </a:ln>
+        </p:spPr>
+        <p:style>
+          <a:lnRef idx="2">
+            <a:schemeClr val="accent1">
+              <a:shade val="50000"/>
+            </a:schemeClr>
+          </a:lnRef>
+          <a:fillRef idx="1">
+            <a:schemeClr val="accent1"/>
+          </a:fillRef>
+          <a:effectRef idx="0">
+            <a:schemeClr val="accent1"/>
+          </a:effectRef>
+          <a:fontRef idx="minor">
+            <a:schemeClr val="lt1"/>
+          </a:fontRef>
+        </p:style>
+      </p:sp>
+      <p:cxnSp>
+        <p:nvCxnSpPr>
+          <p:cNvPr id="2055" name="Straight Connector 74">
+            <a:extLst>
+              <a:ext uri="{FF2B5EF4-FFF2-40B4-BE49-F238E27FC236}">
+                <a16:creationId xmlns:a16="http://schemas.microsoft.com/office/drawing/2014/main" id="{1F5DC8C3-BA5F-4EED-BB9A-A14272BD82A1}"/>
+              </a:ext>
+              <a:ext uri="{C183D7F6-B498-43B3-948B-1728B52AA6E4}">
+                <adec:decorative xmlns:adec="http://schemas.microsoft.com/office/drawing/2017/decorative" val="1"/>
+              </a:ext>
+            </a:extLst>
+          </p:cNvPr>
+          <p:cNvCxnSpPr>
+            <a:cxnSpLocks noGrp="1" noRot="1" noChangeAspect="1" noMove="1" noResize="1" noEditPoints="1" noAdjustHandles="1" noChangeArrowheads="1" noChangeShapeType="1"/>
+          </p:cNvCxnSpPr>
+          <p:nvPr>
+            <p:extLst>
+              <p:ext uri="{386F3935-93C4-4BCD-93E2-E3B085C9AB24}">
+                <p16:designElem xmlns:p16="http://schemas.microsoft.com/office/powerpoint/2015/main" val="1"/>
+              </p:ext>
+            </p:extLst>
+          </p:nvPr>
+        </p:nvCxnSpPr>
+        <p:spPr>
+          <a:xfrm>
+            <a:off x="1207658" y="4474741"/>
+            <a:ext cx="9875520" cy="0"/>
+          </a:xfrm>
+          <a:prstGeom prst="line">
+            <a:avLst/>
+          </a:prstGeom>
+          <a:ln w="12700">
+            <a:solidFill>
+              <a:schemeClr val="tx1">
+                <a:lumMod val="75000"/>
+                <a:lumOff val="25000"/>
+              </a:schemeClr>
+            </a:solidFill>
+          </a:ln>
+        </p:spPr>
+        <p:style>
+          <a:lnRef idx="1">
+            <a:schemeClr val="accent1"/>
+          </a:lnRef>
+          <a:fillRef idx="0">
+            <a:schemeClr val="accent1"/>
+          </a:fillRef>
+          <a:effectRef idx="0">
+            <a:schemeClr val="accent1"/>
+          </a:effectRef>
+          <a:fontRef idx="minor">
+            <a:schemeClr val="tx1"/>
+          </a:fontRef>
+        </p:style>
+      </p:cxnSp>
+      <p:sp>
+        <p:nvSpPr>
+          <p:cNvPr id="2056" name="Rectangle 76">
+            <a:extLst>
+              <a:ext uri="{FF2B5EF4-FFF2-40B4-BE49-F238E27FC236}">
+                <a16:creationId xmlns:a16="http://schemas.microsoft.com/office/drawing/2014/main" id="{2FDF0794-1B86-42B2-B8C7-F60123E638ED}"/>
+              </a:ext>
+              <a:ext uri="{C183D7F6-B498-43B3-948B-1728B52AA6E4}">
+                <adec:decorative xmlns:adec="http://schemas.microsoft.com/office/drawing/2017/decorative" val="1"/>
+              </a:ext>
+            </a:extLst>
+          </p:cNvPr>
+          <p:cNvSpPr>
+            <a:spLocks noGrp="1" noRot="1" noChangeAspect="1" noMove="1" noResize="1" noEditPoints="1" noAdjustHandles="1" noChangeArrowheads="1" noChangeShapeType="1" noTextEdit="1"/>
+          </p:cNvSpPr>
+          <p:nvPr>
+            <p:extLst>
+              <p:ext uri="{386F3935-93C4-4BCD-93E2-E3B085C9AB24}">
+                <p16:designElem xmlns:p16="http://schemas.microsoft.com/office/powerpoint/2015/main" val="1"/>
+              </p:ext>
+            </p:extLst>
+          </p:nvPr>
+        </p:nvSpPr>
+        <p:spPr>
+          <a:xfrm>
+            <a:off x="3274" y="0"/>
+            <a:ext cx="12188726" cy="6858975"/>
+          </a:xfrm>
+          <a:prstGeom prst="rect">
+            <a:avLst/>
+          </a:prstGeom>
+          <a:solidFill>
+            <a:schemeClr val="bg1"/>
+          </a:solidFill>
+          <a:ln>
+            <a:noFill/>
+          </a:ln>
+        </p:spPr>
+        <p:style>
+          <a:lnRef idx="2">
+            <a:schemeClr val="accent1">
+              <a:shade val="50000"/>
+            </a:schemeClr>
+          </a:lnRef>
+          <a:fillRef idx="1">
+            <a:schemeClr val="accent1"/>
+          </a:fillRef>
+          <a:effectRef idx="0">
+            <a:schemeClr val="accent1"/>
+          </a:effectRef>
+          <a:fontRef idx="minor">
+            <a:schemeClr val="lt1"/>
+          </a:fontRef>
+        </p:style>
+        <p:txBody>
+          <a:bodyPr rtlCol="0" anchor="ctr"/>
+          <a:lstStyle/>
+          <a:p>
+            <a:pPr algn="ctr"/>
+            <a:endParaRPr lang="en-US"/>
+          </a:p>
+        </p:txBody>
+      </p:sp>
+      <p:sp>
+        <p:nvSpPr>
+          <p:cNvPr id="2057" name="Rectangle 78">
+            <a:extLst>
+              <a:ext uri="{FF2B5EF4-FFF2-40B4-BE49-F238E27FC236}">
+                <a16:creationId xmlns:a16="http://schemas.microsoft.com/office/drawing/2014/main" id="{C5373426-E26E-431D-959C-5DB96C0B6208}"/>
+              </a:ext>
+              <a:ext uri="{C183D7F6-B498-43B3-948B-1728B52AA6E4}">
+                <adec:decorative xmlns:adec="http://schemas.microsoft.com/office/drawing/2017/decorative" val="1"/>
+              </a:ext>
+            </a:extLst>
+          </p:cNvPr>
+          <p:cNvSpPr>
+            <a:spLocks noGrp="1" noRot="1" noChangeAspect="1" noMove="1" noResize="1" noEditPoints="1" noAdjustHandles="1" noChangeArrowheads="1" noChangeShapeType="1" noTextEdit="1"/>
+          </p:cNvSpPr>
+          <p:nvPr>
+            <p:extLst>
+              <p:ext uri="{386F3935-93C4-4BCD-93E2-E3B085C9AB24}">
+                <p16:designElem xmlns:p16="http://schemas.microsoft.com/office/powerpoint/2015/main" val="1"/>
+              </p:ext>
+            </p:extLst>
+          </p:nvPr>
+        </p:nvSpPr>
+        <p:spPr>
+          <a:xfrm>
+            <a:off x="643467" y="1238442"/>
+            <a:ext cx="3635926" cy="4355751"/>
+          </a:xfrm>
+          <a:prstGeom prst="rect">
+            <a:avLst/>
+          </a:prstGeom>
+          <a:solidFill>
+            <a:schemeClr val="tx1">
+              <a:alpha val="85000"/>
+            </a:schemeClr>
+          </a:solidFill>
+          <a:ln>
+            <a:noFill/>
+          </a:ln>
+        </p:spPr>
+        <p:style>
+          <a:lnRef idx="2">
+            <a:schemeClr val="accent1">
+              <a:shade val="50000"/>
+            </a:schemeClr>
+          </a:lnRef>
+          <a:fillRef idx="1">
+            <a:schemeClr val="accent1"/>
+          </a:fillRef>
+          <a:effectRef idx="0">
+            <a:schemeClr val="accent1"/>
+          </a:effectRef>
+          <a:fontRef idx="minor">
+            <a:schemeClr val="lt1"/>
+          </a:fontRef>
+        </p:style>
+        <p:txBody>
+          <a:bodyPr rtlCol="0" anchor="ctr"/>
+          <a:lstStyle/>
+          <a:p>
+            <a:pPr algn="ctr"/>
+            <a:endParaRPr lang="en-US"/>
+          </a:p>
+        </p:txBody>
+      </p:sp>
+      <p:sp>
+        <p:nvSpPr>
+          <p:cNvPr id="2" name="Title 1">
+            <a:extLst>
+              <a:ext uri="{FF2B5EF4-FFF2-40B4-BE49-F238E27FC236}">
+                <a16:creationId xmlns:a16="http://schemas.microsoft.com/office/drawing/2014/main" id="{277BC832-01C3-344B-B013-17F326F8C44D}"/>
               </a:ext>
             </a:extLst>
           </p:cNvPr>
@@ -7121,80 +7374,87 @@
             <p:ph type="title"/>
           </p:nvPr>
         </p:nvSpPr>
-        <p:spPr/>
-        <p:txBody>
-          <a:bodyPr/>
+        <p:spPr>
+          <a:xfrm>
+            <a:off x="854277" y="1475234"/>
+            <a:ext cx="3214307" cy="2901694"/>
+          </a:xfrm>
+        </p:spPr>
+        <p:txBody>
+          <a:bodyPr vert="horz" lIns="91440" tIns="45720" rIns="91440" bIns="45720" rtlCol="0" anchor="b">
+            <a:normAutofit/>
+          </a:bodyPr>
           <a:lstStyle/>
           <a:p>
             <a:r>
-              <a:rPr lang="en-US" dirty="0"/>
-              <a:t>Feature Selection</a:t>
-            </a:r>
-          </a:p>
-        </p:txBody>
-      </p:sp>
-      <p:sp>
-        <p:nvSpPr>
-          <p:cNvPr id="6" name="Text Placeholder 5">
-            <a:extLst>
-              <a:ext uri="{FF2B5EF4-FFF2-40B4-BE49-F238E27FC236}">
-                <a16:creationId xmlns:a16="http://schemas.microsoft.com/office/drawing/2014/main" id="{1514A032-7539-4841-93DA-959EBDE2135A}"/>
-              </a:ext>
-            </a:extLst>
-          </p:cNvPr>
-          <p:cNvSpPr>
-            <a:spLocks noGrp="1"/>
-          </p:cNvSpPr>
-          <p:nvPr>
-            <p:ph type="body" idx="1"/>
-          </p:nvPr>
-        </p:nvSpPr>
-        <p:spPr/>
-        <p:txBody>
-          <a:bodyPr/>
-          <a:lstStyle/>
-          <a:p>
-            <a:r>
-              <a:rPr lang="en-US" dirty="0"/>
-              <a:t>lasso</a:t>
-            </a:r>
-          </a:p>
-        </p:txBody>
-      </p:sp>
-      <p:sp>
-        <p:nvSpPr>
-          <p:cNvPr id="8" name="Text Placeholder 7">
-            <a:extLst>
-              <a:ext uri="{FF2B5EF4-FFF2-40B4-BE49-F238E27FC236}">
-                <a16:creationId xmlns:a16="http://schemas.microsoft.com/office/drawing/2014/main" id="{EB48CBD8-E45F-534E-93BD-C3DB8A2D84F7}"/>
-              </a:ext>
-            </a:extLst>
-          </p:cNvPr>
-          <p:cNvSpPr>
-            <a:spLocks noGrp="1"/>
-          </p:cNvSpPr>
-          <p:nvPr>
-            <p:ph type="body" sz="quarter" idx="3"/>
-          </p:nvPr>
-        </p:nvSpPr>
-        <p:spPr/>
-        <p:txBody>
-          <a:bodyPr/>
-          <a:lstStyle/>
-          <a:p>
-            <a:r>
-              <a:rPr lang="en-US" dirty="0"/>
-              <a:t>ridge</a:t>
-            </a:r>
-          </a:p>
-        </p:txBody>
-      </p:sp>
+              <a:rPr lang="en-US" sz="4400">
+                <a:solidFill>
+                  <a:schemeClr val="bg1"/>
+                </a:solidFill>
+              </a:rPr>
+              <a:t>MLR Feature Selection</a:t>
+            </a:r>
+          </a:p>
+        </p:txBody>
+      </p:sp>
+      <p:cxnSp>
+        <p:nvCxnSpPr>
+          <p:cNvPr id="2058" name="Straight Connector 80">
+            <a:extLst>
+              <a:ext uri="{FF2B5EF4-FFF2-40B4-BE49-F238E27FC236}">
+                <a16:creationId xmlns:a16="http://schemas.microsoft.com/office/drawing/2014/main" id="{96D07482-83A3-4451-943C-B46961082957}"/>
+              </a:ext>
+              <a:ext uri="{C183D7F6-B498-43B3-948B-1728B52AA6E4}">
+                <adec:decorative xmlns:adec="http://schemas.microsoft.com/office/drawing/2017/decorative" val="1"/>
+              </a:ext>
+            </a:extLst>
+          </p:cNvPr>
+          <p:cNvCxnSpPr>
+            <a:cxnSpLocks noGrp="1" noRot="1" noChangeAspect="1" noMove="1" noResize="1" noEditPoints="1" noAdjustHandles="1" noChangeArrowheads="1" noChangeShapeType="1"/>
+          </p:cNvCxnSpPr>
+          <p:nvPr>
+            <p:extLst>
+              <p:ext uri="{386F3935-93C4-4BCD-93E2-E3B085C9AB24}">
+                <p16:designElem xmlns:p16="http://schemas.microsoft.com/office/powerpoint/2015/main" val="1"/>
+              </p:ext>
+            </p:extLst>
+          </p:nvPr>
+        </p:nvCxnSpPr>
+        <p:spPr>
+          <a:xfrm>
+            <a:off x="906950" y="4508519"/>
+            <a:ext cx="3108960" cy="0"/>
+          </a:xfrm>
+          <a:prstGeom prst="line">
+            <a:avLst/>
+          </a:prstGeom>
+          <a:ln w="19050">
+            <a:solidFill>
+              <a:schemeClr val="accent1"/>
+            </a:solidFill>
+          </a:ln>
+        </p:spPr>
+        <p:style>
+          <a:lnRef idx="1">
+            <a:schemeClr val="accent1"/>
+          </a:lnRef>
+          <a:fillRef idx="0">
+            <a:schemeClr val="accent1"/>
+          </a:fillRef>
+          <a:effectRef idx="0">
+            <a:schemeClr val="accent1"/>
+          </a:effectRef>
+          <a:fontRef idx="minor">
+            <a:schemeClr val="tx1"/>
+          </a:fontRef>
+        </p:style>
+      </p:cxnSp>
       <p:pic>
         <p:nvPicPr>
-          <p:cNvPr id="2050" name="Picture 2">
-            <a:extLst>
-              <a:ext uri="{FF2B5EF4-FFF2-40B4-BE49-F238E27FC236}">
-                <a16:creationId xmlns:a16="http://schemas.microsoft.com/office/drawing/2014/main" id="{036A3ABA-8CE6-324C-8643-1517A03F76CD}"/>
+          <p:cNvPr id="2050" name="Picture 2" descr="A screenshot of a cell phone&#10;&#10;Description automatically generated">
+            <a:extLst>
+              <a:ext uri="{FF2B5EF4-FFF2-40B4-BE49-F238E27FC236}">
+                <a16:creationId xmlns:a16="http://schemas.microsoft.com/office/drawing/2014/main" id="{412479F3-F85E-DD46-9E9C-64E01BB57C0F}"/>
               </a:ext>
             </a:extLst>
           </p:cNvPr>
@@ -7202,7 +7462,7 @@
             <a:picLocks noGrp="1" noChangeAspect="1" noChangeArrowheads="1"/>
           </p:cNvPicPr>
           <p:nvPr>
-            <p:ph sz="half" idx="2"/>
+            <p:ph sz="half" idx="1"/>
           </p:nvPr>
         </p:nvPicPr>
         <p:blipFill>
@@ -7213,15 +7473,14 @@
               </a:ext>
             </a:extLst>
           </a:blip>
-          <a:srcRect/>
           <a:stretch>
             <a:fillRect/>
           </a:stretch>
         </p:blipFill>
         <p:spPr bwMode="auto">
           <a:xfrm>
-            <a:off x="1233488" y="2957513"/>
-            <a:ext cx="4367212" cy="2911475"/>
+            <a:off x="4602763" y="1761395"/>
+            <a:ext cx="3309846" cy="3309846"/>
           </a:xfrm>
           <a:prstGeom prst="rect">
             <a:avLst/>
@@ -7240,10 +7499,10 @@
       </p:pic>
       <p:pic>
         <p:nvPicPr>
-          <p:cNvPr id="2052" name="Picture 4">
-            <a:extLst>
-              <a:ext uri="{FF2B5EF4-FFF2-40B4-BE49-F238E27FC236}">
-                <a16:creationId xmlns:a16="http://schemas.microsoft.com/office/drawing/2014/main" id="{F665558C-789E-C64C-8A9A-04681B0A7EC6}"/>
+          <p:cNvPr id="2052" name="Picture 4" descr="A screenshot of a cell phone&#10;&#10;Description automatically generated">
+            <a:extLst>
+              <a:ext uri="{FF2B5EF4-FFF2-40B4-BE49-F238E27FC236}">
+                <a16:creationId xmlns:a16="http://schemas.microsoft.com/office/drawing/2014/main" id="{00E356E6-976D-874A-A5DF-7C7D4D7DD390}"/>
               </a:ext>
             </a:extLst>
           </p:cNvPr>
@@ -7251,7 +7510,7 @@
             <a:picLocks noGrp="1" noChangeAspect="1" noChangeArrowheads="1"/>
           </p:cNvPicPr>
           <p:nvPr>
-            <p:ph sz="quarter" idx="4"/>
+            <p:ph sz="half" idx="2"/>
           </p:nvPr>
         </p:nvPicPr>
         <p:blipFill>
@@ -7262,15 +7521,14 @@
               </a:ext>
             </a:extLst>
           </a:blip>
-          <a:srcRect/>
           <a:stretch>
             <a:fillRect/>
           </a:stretch>
         </p:blipFill>
         <p:spPr bwMode="auto">
           <a:xfrm>
-            <a:off x="6652419" y="2957513"/>
-            <a:ext cx="4367212" cy="2911475"/>
+            <a:off x="8234342" y="1760858"/>
+            <a:ext cx="3310917" cy="3310917"/>
           </a:xfrm>
           <a:prstGeom prst="rect">
             <a:avLst/>
@@ -7287,10 +7545,67 @@
           </a:extLst>
         </p:spPr>
       </p:pic>
+      <p:sp>
+        <p:nvSpPr>
+          <p:cNvPr id="83" name="Rectangle 82">
+            <a:extLst>
+              <a:ext uri="{FF2B5EF4-FFF2-40B4-BE49-F238E27FC236}">
+                <a16:creationId xmlns:a16="http://schemas.microsoft.com/office/drawing/2014/main" id="{E239D8CC-16F4-4B2B-80F0-203C56D0D2DE}"/>
+              </a:ext>
+              <a:ext uri="{C183D7F6-B498-43B3-948B-1728B52AA6E4}">
+                <adec:decorative xmlns:adec="http://schemas.microsoft.com/office/drawing/2017/decorative" val="1"/>
+              </a:ext>
+            </a:extLst>
+          </p:cNvPr>
+          <p:cNvSpPr>
+            <a:spLocks noGrp="1" noRot="1" noChangeAspect="1" noMove="1" noResize="1" noEditPoints="1" noAdjustHandles="1" noChangeArrowheads="1" noChangeShapeType="1" noTextEdit="1"/>
+          </p:cNvSpPr>
+          <p:nvPr>
+            <p:extLst>
+              <p:ext uri="{386F3935-93C4-4BCD-93E2-E3B085C9AB24}">
+                <p16:designElem xmlns:p16="http://schemas.microsoft.com/office/powerpoint/2015/main" val="1"/>
+              </p:ext>
+            </p:extLst>
+          </p:nvPr>
+        </p:nvSpPr>
+        <p:spPr>
+          <a:xfrm>
+            <a:off x="1" y="6400800"/>
+            <a:ext cx="12192000" cy="457200"/>
+          </a:xfrm>
+          <a:prstGeom prst="rect">
+            <a:avLst/>
+          </a:prstGeom>
+          <a:solidFill>
+            <a:srgbClr val="262626">
+              <a:alpha val="95000"/>
+            </a:srgbClr>
+          </a:solidFill>
+          <a:ln>
+            <a:noFill/>
+          </a:ln>
+        </p:spPr>
+        <p:style>
+          <a:lnRef idx="2">
+            <a:schemeClr val="accent1">
+              <a:shade val="50000"/>
+            </a:schemeClr>
+          </a:lnRef>
+          <a:fillRef idx="1">
+            <a:schemeClr val="accent1"/>
+          </a:fillRef>
+          <a:effectRef idx="0">
+            <a:schemeClr val="accent1"/>
+          </a:effectRef>
+          <a:fontRef idx="minor">
+            <a:schemeClr val="lt1"/>
+          </a:fontRef>
+        </p:style>
+      </p:sp>
     </p:spTree>
     <p:extLst>
       <p:ext uri="{BB962C8B-B14F-4D97-AF65-F5344CB8AC3E}">
-        <p14:creationId xmlns:p14="http://schemas.microsoft.com/office/powerpoint/2010/main" val="1468968930"/>
+        <p14:creationId xmlns:p14="http://schemas.microsoft.com/office/powerpoint/2010/main" val="4268885063"/>
       </p:ext>
     </p:extLst>
   </p:cSld>
@@ -7340,7 +7655,7 @@
           <a:p>
             <a:r>
               <a:rPr lang="en-US" dirty="0"/>
-              <a:t>Hyperparameter Tuning</a:t>
+              <a:t>Feature Selection</a:t>
             </a:r>
           </a:p>
         </p:txBody>
@@ -7403,10 +7718,10 @@
       </p:sp>
       <p:pic>
         <p:nvPicPr>
-          <p:cNvPr id="1026" name="Picture 2">
-            <a:extLst>
-              <a:ext uri="{FF2B5EF4-FFF2-40B4-BE49-F238E27FC236}">
-                <a16:creationId xmlns:a16="http://schemas.microsoft.com/office/drawing/2014/main" id="{D60E79A3-2120-3545-A527-433F1E213C49}"/>
+          <p:cNvPr id="2050" name="Picture 2">
+            <a:extLst>
+              <a:ext uri="{FF2B5EF4-FFF2-40B4-BE49-F238E27FC236}">
+                <a16:creationId xmlns:a16="http://schemas.microsoft.com/office/drawing/2014/main" id="{036A3ABA-8CE6-324C-8643-1517A03F76CD}"/>
               </a:ext>
             </a:extLst>
           </p:cNvPr>
@@ -7432,8 +7747,8 @@
         </p:blipFill>
         <p:spPr bwMode="auto">
           <a:xfrm>
-            <a:off x="1096963" y="3021172"/>
-            <a:ext cx="4640262" cy="2784157"/>
+            <a:off x="1233488" y="2957513"/>
+            <a:ext cx="4367212" cy="2911475"/>
           </a:xfrm>
           <a:prstGeom prst="rect">
             <a:avLst/>
@@ -7452,10 +7767,10 @@
       </p:pic>
       <p:pic>
         <p:nvPicPr>
-          <p:cNvPr id="1028" name="Picture 4">
-            <a:extLst>
-              <a:ext uri="{FF2B5EF4-FFF2-40B4-BE49-F238E27FC236}">
-                <a16:creationId xmlns:a16="http://schemas.microsoft.com/office/drawing/2014/main" id="{508ABFD6-2C7F-F44D-B68E-EFE88CAF4092}"/>
+          <p:cNvPr id="2052" name="Picture 4">
+            <a:extLst>
+              <a:ext uri="{FF2B5EF4-FFF2-40B4-BE49-F238E27FC236}">
+                <a16:creationId xmlns:a16="http://schemas.microsoft.com/office/drawing/2014/main" id="{F665558C-789E-C64C-8A9A-04681B0A7EC6}"/>
               </a:ext>
             </a:extLst>
           </p:cNvPr>
@@ -7481,8 +7796,8 @@
         </p:blipFill>
         <p:spPr bwMode="auto">
           <a:xfrm>
-            <a:off x="6516688" y="3021648"/>
-            <a:ext cx="4638675" cy="2783205"/>
+            <a:off x="6652419" y="2957513"/>
+            <a:ext cx="4367212" cy="2911475"/>
           </a:xfrm>
           <a:prstGeom prst="rect">
             <a:avLst/>
@@ -7502,7 +7817,7 @@
     </p:spTree>
     <p:extLst>
       <p:ext uri="{BB962C8B-B14F-4D97-AF65-F5344CB8AC3E}">
-        <p14:creationId xmlns:p14="http://schemas.microsoft.com/office/powerpoint/2010/main" val="2127306503"/>
+        <p14:creationId xmlns:p14="http://schemas.microsoft.com/office/powerpoint/2010/main" val="1468968930"/>
       </p:ext>
     </p:extLst>
   </p:cSld>
@@ -7531,10 +7846,10 @@
       </p:grpSpPr>
       <p:sp>
         <p:nvSpPr>
-          <p:cNvPr id="2" name="Title 1">
-            <a:extLst>
-              <a:ext uri="{FF2B5EF4-FFF2-40B4-BE49-F238E27FC236}">
-                <a16:creationId xmlns:a16="http://schemas.microsoft.com/office/drawing/2014/main" id="{DE81C928-3794-6043-AD9F-C1FC242F864C}"/>
+          <p:cNvPr id="5" name="Title 4">
+            <a:extLst>
+              <a:ext uri="{FF2B5EF4-FFF2-40B4-BE49-F238E27FC236}">
+                <a16:creationId xmlns:a16="http://schemas.microsoft.com/office/drawing/2014/main" id="{11E55461-827D-EC40-8A2D-0936A5385C02}"/>
               </a:ext>
             </a:extLst>
           </p:cNvPr>
@@ -7552,22 +7867,17 @@
           <a:p>
             <a:r>
               <a:rPr lang="en-US" dirty="0"/>
-              <a:t>Tree-Based Model: </a:t>
-            </a:r>
-            <a:r>
-              <a:rPr lang="en-US" dirty="0" err="1"/>
-              <a:t>XGBoost</a:t>
-            </a:r>
-            <a:endParaRPr lang="en-US" dirty="0"/>
-          </a:p>
-        </p:txBody>
-      </p:sp>
-      <p:sp>
-        <p:nvSpPr>
-          <p:cNvPr id="7" name="Text Placeholder 6">
-            <a:extLst>
-              <a:ext uri="{FF2B5EF4-FFF2-40B4-BE49-F238E27FC236}">
-                <a16:creationId xmlns:a16="http://schemas.microsoft.com/office/drawing/2014/main" id="{AD7531DA-CC22-FC44-8CDD-563A37E19DDC}"/>
+              <a:t>Hyperparameter Tuning</a:t>
+            </a:r>
+          </a:p>
+        </p:txBody>
+      </p:sp>
+      <p:sp>
+        <p:nvSpPr>
+          <p:cNvPr id="6" name="Text Placeholder 5">
+            <a:extLst>
+              <a:ext uri="{FF2B5EF4-FFF2-40B4-BE49-F238E27FC236}">
+                <a16:creationId xmlns:a16="http://schemas.microsoft.com/office/drawing/2014/main" id="{1514A032-7539-4841-93DA-959EBDE2135A}"/>
               </a:ext>
             </a:extLst>
           </p:cNvPr>
@@ -7583,41 +7893,10 @@
           <a:bodyPr/>
           <a:lstStyle/>
           <a:p>
-            <a:endParaRPr lang="en-US" dirty="0"/>
-          </a:p>
-        </p:txBody>
-      </p:sp>
-      <p:sp>
-        <p:nvSpPr>
-          <p:cNvPr id="4" name="Content Placeholder 3">
-            <a:extLst>
-              <a:ext uri="{FF2B5EF4-FFF2-40B4-BE49-F238E27FC236}">
-                <a16:creationId xmlns:a16="http://schemas.microsoft.com/office/drawing/2014/main" id="{B00D92F5-86B1-244F-A0DA-7F2C198C2CDF}"/>
-              </a:ext>
-            </a:extLst>
-          </p:cNvPr>
-          <p:cNvSpPr>
-            <a:spLocks noGrp="1"/>
-          </p:cNvSpPr>
-          <p:nvPr>
-            <p:ph sz="half" idx="2"/>
-          </p:nvPr>
-        </p:nvSpPr>
-        <p:spPr/>
-        <p:txBody>
-          <a:bodyPr>
-            <a:normAutofit fontScale="85000" lnSpcReduction="20000"/>
-          </a:bodyPr>
-          <a:lstStyle/>
-          <a:p>
             <a:r>
               <a:rPr lang="en-US" dirty="0"/>
-              <a:t>Optimized gradient-boosting decision-tree-based algorithm</a:t>
-            </a:r>
-          </a:p>
-          <a:p>
-            <a:pPr lvl="1"/>
-            <a:endParaRPr lang="en-US" dirty="0"/>
+              <a:t>lasso</a:t>
+            </a:r>
           </a:p>
         </p:txBody>
       </p:sp>
@@ -7626,7 +7905,7 @@
           <p:cNvPr id="8" name="Text Placeholder 7">
             <a:extLst>
               <a:ext uri="{FF2B5EF4-FFF2-40B4-BE49-F238E27FC236}">
-                <a16:creationId xmlns:a16="http://schemas.microsoft.com/office/drawing/2014/main" id="{38C8602E-7749-FB4A-8B79-39B79FDB5402}"/>
+                <a16:creationId xmlns:a16="http://schemas.microsoft.com/office/drawing/2014/main" id="{EB48CBD8-E45F-534E-93BD-C3DB8A2D84F7}"/>
               </a:ext>
             </a:extLst>
           </p:cNvPr>
@@ -7644,188 +7923,113 @@
           <a:p>
             <a:r>
               <a:rPr lang="en-US" dirty="0"/>
-              <a:t>Tuning Parameters</a:t>
-            </a:r>
-          </a:p>
-        </p:txBody>
-      </p:sp>
-      <p:sp>
-        <p:nvSpPr>
-          <p:cNvPr id="9" name="Content Placeholder 8">
-            <a:extLst>
-              <a:ext uri="{FF2B5EF4-FFF2-40B4-BE49-F238E27FC236}">
-                <a16:creationId xmlns:a16="http://schemas.microsoft.com/office/drawing/2014/main" id="{A7CC6685-E997-7241-96B1-B98C86AF2491}"/>
-              </a:ext>
-            </a:extLst>
-          </p:cNvPr>
-          <p:cNvSpPr>
-            <a:spLocks noGrp="1"/>
-          </p:cNvSpPr>
+              <a:t>ridge</a:t>
+            </a:r>
+          </a:p>
+        </p:txBody>
+      </p:sp>
+      <p:pic>
+        <p:nvPicPr>
+          <p:cNvPr id="1026" name="Picture 2">
+            <a:extLst>
+              <a:ext uri="{FF2B5EF4-FFF2-40B4-BE49-F238E27FC236}">
+                <a16:creationId xmlns:a16="http://schemas.microsoft.com/office/drawing/2014/main" id="{D60E79A3-2120-3545-A527-433F1E213C49}"/>
+              </a:ext>
+            </a:extLst>
+          </p:cNvPr>
+          <p:cNvPicPr>
+            <a:picLocks noGrp="1" noChangeAspect="1" noChangeArrowheads="1"/>
+          </p:cNvPicPr>
+          <p:nvPr>
+            <p:ph sz="half" idx="2"/>
+          </p:nvPr>
+        </p:nvPicPr>
+        <p:blipFill>
+          <a:blip r:embed="rId2">
+            <a:extLst>
+              <a:ext uri="{28A0092B-C50C-407E-A947-70E740481C1C}">
+                <a14:useLocalDpi xmlns:a14="http://schemas.microsoft.com/office/drawing/2010/main" val="0"/>
+              </a:ext>
+            </a:extLst>
+          </a:blip>
+          <a:srcRect/>
+          <a:stretch>
+            <a:fillRect/>
+          </a:stretch>
+        </p:blipFill>
+        <p:spPr bwMode="auto">
+          <a:xfrm>
+            <a:off x="1096963" y="3021172"/>
+            <a:ext cx="4640262" cy="2784157"/>
+          </a:xfrm>
+          <a:prstGeom prst="rect">
+            <a:avLst/>
+          </a:prstGeom>
+          <a:noFill/>
+          <a:extLst>
+            <a:ext uri="{909E8E84-426E-40DD-AFC4-6F175D3DCCD1}">
+              <a14:hiddenFill xmlns:a14="http://schemas.microsoft.com/office/drawing/2010/main">
+                <a:solidFill>
+                  <a:srgbClr val="FFFFFF"/>
+                </a:solidFill>
+              </a14:hiddenFill>
+            </a:ext>
+          </a:extLst>
+        </p:spPr>
+      </p:pic>
+      <p:pic>
+        <p:nvPicPr>
+          <p:cNvPr id="1028" name="Picture 4">
+            <a:extLst>
+              <a:ext uri="{FF2B5EF4-FFF2-40B4-BE49-F238E27FC236}">
+                <a16:creationId xmlns:a16="http://schemas.microsoft.com/office/drawing/2014/main" id="{508ABFD6-2C7F-F44D-B68E-EFE88CAF4092}"/>
+              </a:ext>
+            </a:extLst>
+          </p:cNvPr>
+          <p:cNvPicPr>
+            <a:picLocks noGrp="1" noChangeAspect="1" noChangeArrowheads="1"/>
+          </p:cNvPicPr>
           <p:nvPr>
             <p:ph sz="quarter" idx="4"/>
           </p:nvPr>
-        </p:nvSpPr>
-        <p:spPr>
-          <a:xfrm>
-            <a:off x="6515943" y="2958273"/>
-            <a:ext cx="5139027" cy="3428013"/>
-          </a:xfrm>
-        </p:spPr>
-        <p:txBody>
-          <a:bodyPr>
-            <a:normAutofit fontScale="85000" lnSpcReduction="20000"/>
-          </a:bodyPr>
-          <a:lstStyle/>
-          <a:p>
-            <a:pPr>
-              <a:lnSpc>
-                <a:spcPct val="120000"/>
-              </a:lnSpc>
-              <a:spcBef>
-                <a:spcPts val="600"/>
-              </a:spcBef>
-            </a:pPr>
-            <a:r>
-              <a:rPr lang="en-US" b="1" dirty="0"/>
-              <a:t>Eta</a:t>
-            </a:r>
-            <a:r>
-              <a:rPr lang="en-US" dirty="0"/>
-              <a:t>: learning rate</a:t>
-            </a:r>
-          </a:p>
-          <a:p>
-            <a:pPr>
-              <a:lnSpc>
-                <a:spcPct val="120000"/>
-              </a:lnSpc>
-              <a:spcBef>
-                <a:spcPts val="600"/>
-              </a:spcBef>
-            </a:pPr>
-            <a:r>
-              <a:rPr lang="en-US" b="1" dirty="0"/>
-              <a:t>Gamma</a:t>
-            </a:r>
-            <a:r>
-              <a:rPr lang="en-US" dirty="0"/>
-              <a:t>: restricts splits between leaves</a:t>
-            </a:r>
-          </a:p>
-          <a:p>
-            <a:pPr>
-              <a:lnSpc>
-                <a:spcPct val="120000"/>
-              </a:lnSpc>
-              <a:spcBef>
-                <a:spcPts val="600"/>
-              </a:spcBef>
-            </a:pPr>
-            <a:r>
-              <a:rPr lang="en-US" b="1" dirty="0"/>
-              <a:t>Max Depth</a:t>
-            </a:r>
-            <a:r>
-              <a:rPr lang="en-US" dirty="0"/>
-              <a:t>: depth of decision tree</a:t>
-            </a:r>
-          </a:p>
-          <a:p>
-            <a:pPr>
-              <a:lnSpc>
-                <a:spcPct val="120000"/>
-              </a:lnSpc>
-              <a:spcBef>
-                <a:spcPts val="600"/>
-              </a:spcBef>
-            </a:pPr>
-            <a:r>
-              <a:rPr lang="en-US" b="1" dirty="0"/>
-              <a:t>Min Child Weight</a:t>
-            </a:r>
-            <a:r>
-              <a:rPr lang="en-US" dirty="0"/>
-              <a:t>: limits further partition</a:t>
-            </a:r>
-          </a:p>
-          <a:p>
-            <a:pPr>
-              <a:lnSpc>
-                <a:spcPct val="120000"/>
-              </a:lnSpc>
-              <a:spcBef>
-                <a:spcPts val="600"/>
-              </a:spcBef>
-            </a:pPr>
-            <a:r>
-              <a:rPr lang="en-US" b="1" dirty="0"/>
-              <a:t>Subsample</a:t>
-            </a:r>
-            <a:r>
-              <a:rPr lang="en-US" dirty="0"/>
-              <a:t>: number of samples supplied to tree </a:t>
-            </a:r>
-          </a:p>
-          <a:p>
-            <a:pPr>
-              <a:lnSpc>
-                <a:spcPct val="120000"/>
-              </a:lnSpc>
-              <a:spcBef>
-                <a:spcPts val="600"/>
-              </a:spcBef>
-            </a:pPr>
-            <a:r>
-              <a:rPr lang="en-US" b="1" dirty="0"/>
-              <a:t>Alpha</a:t>
-            </a:r>
-            <a:r>
-              <a:rPr lang="en-US" dirty="0"/>
-              <a:t>: L1 Lasso penalization</a:t>
-            </a:r>
-          </a:p>
-          <a:p>
-            <a:pPr>
-              <a:lnSpc>
-                <a:spcPct val="120000"/>
-              </a:lnSpc>
-              <a:spcBef>
-                <a:spcPts val="600"/>
-              </a:spcBef>
-            </a:pPr>
-            <a:r>
-              <a:rPr lang="en-US" b="1" dirty="0"/>
-              <a:t>Lambda</a:t>
-            </a:r>
-            <a:r>
-              <a:rPr lang="en-US" dirty="0"/>
-              <a:t>: L2 Ridge penalization</a:t>
-            </a:r>
-          </a:p>
-          <a:p>
-            <a:pPr>
-              <a:lnSpc>
-                <a:spcPct val="120000"/>
-              </a:lnSpc>
-              <a:spcBef>
-                <a:spcPts val="600"/>
-              </a:spcBef>
-            </a:pPr>
-            <a:r>
-              <a:rPr lang="en-US" b="1" dirty="0"/>
-              <a:t>N Trees</a:t>
-            </a:r>
-            <a:r>
-              <a:rPr lang="en-US" dirty="0"/>
-              <a:t>: number of trees</a:t>
-            </a:r>
-          </a:p>
-        </p:txBody>
-      </p:sp>
+        </p:nvPicPr>
+        <p:blipFill>
+          <a:blip r:embed="rId3">
+            <a:extLst>
+              <a:ext uri="{28A0092B-C50C-407E-A947-70E740481C1C}">
+                <a14:useLocalDpi xmlns:a14="http://schemas.microsoft.com/office/drawing/2010/main" val="0"/>
+              </a:ext>
+            </a:extLst>
+          </a:blip>
+          <a:srcRect/>
+          <a:stretch>
+            <a:fillRect/>
+          </a:stretch>
+        </p:blipFill>
+        <p:spPr bwMode="auto">
+          <a:xfrm>
+            <a:off x="6516688" y="3021648"/>
+            <a:ext cx="4638675" cy="2783205"/>
+          </a:xfrm>
+          <a:prstGeom prst="rect">
+            <a:avLst/>
+          </a:prstGeom>
+          <a:noFill/>
+          <a:extLst>
+            <a:ext uri="{909E8E84-426E-40DD-AFC4-6F175D3DCCD1}">
+              <a14:hiddenFill xmlns:a14="http://schemas.microsoft.com/office/drawing/2010/main">
+                <a:solidFill>
+                  <a:srgbClr val="FFFFFF"/>
+                </a:solidFill>
+              </a14:hiddenFill>
+            </a:ext>
+          </a:extLst>
+        </p:spPr>
+      </p:pic>
     </p:spTree>
     <p:extLst>
       <p:ext uri="{BB962C8B-B14F-4D97-AF65-F5344CB8AC3E}">
-        <p14:creationId xmlns:p14="http://schemas.microsoft.com/office/powerpoint/2010/main" val="1062399283"/>
+        <p14:creationId xmlns:p14="http://schemas.microsoft.com/office/powerpoint/2010/main" val="2127306503"/>
       </p:ext>
     </p:extLst>
   </p:cSld>
@@ -8355,10 +8559,10 @@
       </p:grpSpPr>
       <p:sp>
         <p:nvSpPr>
-          <p:cNvPr id="5" name="Title 4">
-            <a:extLst>
-              <a:ext uri="{FF2B5EF4-FFF2-40B4-BE49-F238E27FC236}">
-                <a16:creationId xmlns:a16="http://schemas.microsoft.com/office/drawing/2014/main" id="{E527277D-2966-704A-BA4C-1EB1CAFDDB6B}"/>
+          <p:cNvPr id="2" name="Title 1">
+            <a:extLst>
+              <a:ext uri="{FF2B5EF4-FFF2-40B4-BE49-F238E27FC236}">
+                <a16:creationId xmlns:a16="http://schemas.microsoft.com/office/drawing/2014/main" id="{DE81C928-3794-6043-AD9F-C1FC242F864C}"/>
               </a:ext>
             </a:extLst>
           </p:cNvPr>
@@ -8376,17 +8580,22 @@
           <a:p>
             <a:r>
               <a:rPr lang="en-US" dirty="0"/>
-              <a:t>Parameter Tuning</a:t>
-            </a:r>
-          </a:p>
-        </p:txBody>
-      </p:sp>
-      <p:sp>
-        <p:nvSpPr>
-          <p:cNvPr id="6" name="Text Placeholder 5">
-            <a:extLst>
-              <a:ext uri="{FF2B5EF4-FFF2-40B4-BE49-F238E27FC236}">
-                <a16:creationId xmlns:a16="http://schemas.microsoft.com/office/drawing/2014/main" id="{2E96153A-646F-6C4F-A04D-1626E51FEC86}"/>
+              <a:t>Tree-Based Model: </a:t>
+            </a:r>
+            <a:r>
+              <a:rPr lang="en-US" dirty="0" err="1"/>
+              <a:t>XGBoost</a:t>
+            </a:r>
+            <a:endParaRPr lang="en-US" dirty="0"/>
+          </a:p>
+        </p:txBody>
+      </p:sp>
+      <p:sp>
+        <p:nvSpPr>
+          <p:cNvPr id="7" name="Text Placeholder 6">
+            <a:extLst>
+              <a:ext uri="{FF2B5EF4-FFF2-40B4-BE49-F238E27FC236}">
+                <a16:creationId xmlns:a16="http://schemas.microsoft.com/office/drawing/2014/main" id="{AD7531DA-CC22-FC44-8CDD-563A37E19DDC}"/>
               </a:ext>
             </a:extLst>
           </p:cNvPr>
@@ -8397,21 +8606,46 @@
             <p:ph type="body" idx="1"/>
           </p:nvPr>
         </p:nvSpPr>
-        <p:spPr>
-          <a:xfrm>
-            <a:off x="542453" y="2221004"/>
-            <a:ext cx="5457492" cy="736282"/>
-          </a:xfrm>
-        </p:spPr>
+        <p:spPr/>
         <p:txBody>
           <a:bodyPr/>
           <a:lstStyle/>
           <a:p>
-            <a:pPr algn="ctr"/>
+            <a:endParaRPr lang="en-US" dirty="0"/>
+          </a:p>
+        </p:txBody>
+      </p:sp>
+      <p:sp>
+        <p:nvSpPr>
+          <p:cNvPr id="4" name="Content Placeholder 3">
+            <a:extLst>
+              <a:ext uri="{FF2B5EF4-FFF2-40B4-BE49-F238E27FC236}">
+                <a16:creationId xmlns:a16="http://schemas.microsoft.com/office/drawing/2014/main" id="{B00D92F5-86B1-244F-A0DA-7F2C198C2CDF}"/>
+              </a:ext>
+            </a:extLst>
+          </p:cNvPr>
+          <p:cNvSpPr>
+            <a:spLocks noGrp="1"/>
+          </p:cNvSpPr>
+          <p:nvPr>
+            <p:ph sz="half" idx="2"/>
+          </p:nvPr>
+        </p:nvSpPr>
+        <p:spPr/>
+        <p:txBody>
+          <a:bodyPr>
+            <a:normAutofit fontScale="85000" lnSpcReduction="20000"/>
+          </a:bodyPr>
+          <a:lstStyle/>
+          <a:p>
             <a:r>
               <a:rPr lang="en-US" dirty="0"/>
-              <a:t>Without Tuning</a:t>
-            </a:r>
+              <a:t>Optimized gradient-boosting decision-tree-based algorithm</a:t>
+            </a:r>
+          </a:p>
+          <a:p>
+            <a:pPr lvl="1"/>
+            <a:endParaRPr lang="en-US" dirty="0"/>
           </a:p>
         </p:txBody>
       </p:sp>
@@ -8420,7 +8654,7 @@
           <p:cNvPr id="8" name="Text Placeholder 7">
             <a:extLst>
               <a:ext uri="{FF2B5EF4-FFF2-40B4-BE49-F238E27FC236}">
-                <a16:creationId xmlns:a16="http://schemas.microsoft.com/office/drawing/2014/main" id="{B051BC69-425D-D14B-9E16-E7688889DB1E}"/>
+                <a16:creationId xmlns:a16="http://schemas.microsoft.com/office/drawing/2014/main" id="{38C8602E-7749-FB4A-8B79-39B79FDB5402}"/>
               </a:ext>
             </a:extLst>
           </p:cNvPr>
@@ -8431,96 +8665,195 @@
             <p:ph type="body" sz="quarter" idx="3"/>
           </p:nvPr>
         </p:nvSpPr>
-        <p:spPr>
-          <a:xfrm>
-            <a:off x="6241949" y="2221004"/>
-            <a:ext cx="5357704" cy="736282"/>
-          </a:xfrm>
-        </p:spPr>
+        <p:spPr/>
         <p:txBody>
           <a:bodyPr/>
           <a:lstStyle/>
           <a:p>
-            <a:pPr algn="ctr"/>
             <a:r>
               <a:rPr lang="en-US" dirty="0"/>
-              <a:t>With Tuning</a:t>
-            </a:r>
-          </a:p>
-        </p:txBody>
-      </p:sp>
-      <p:pic>
-        <p:nvPicPr>
-          <p:cNvPr id="17" name="Content Placeholder 16" descr="A close up of a device&#10;&#10;Description automatically generated">
-            <a:extLst>
-              <a:ext uri="{FF2B5EF4-FFF2-40B4-BE49-F238E27FC236}">
-                <a16:creationId xmlns:a16="http://schemas.microsoft.com/office/drawing/2014/main" id="{A074723B-FBB1-0D46-94A9-56606037A405}"/>
-              </a:ext>
-            </a:extLst>
-          </p:cNvPr>
-          <p:cNvPicPr>
-            <a:picLocks noGrp="1" noChangeAspect="1"/>
-          </p:cNvPicPr>
+              <a:t>Tuning Parameters</a:t>
+            </a:r>
+          </a:p>
+        </p:txBody>
+      </p:sp>
+      <p:sp>
+        <p:nvSpPr>
+          <p:cNvPr id="9" name="Content Placeholder 8">
+            <a:extLst>
+              <a:ext uri="{FF2B5EF4-FFF2-40B4-BE49-F238E27FC236}">
+                <a16:creationId xmlns:a16="http://schemas.microsoft.com/office/drawing/2014/main" id="{A7CC6685-E997-7241-96B1-B98C86AF2491}"/>
+              </a:ext>
+            </a:extLst>
+          </p:cNvPr>
+          <p:cNvSpPr>
+            <a:spLocks noGrp="1"/>
+          </p:cNvSpPr>
           <p:nvPr>
             <p:ph sz="quarter" idx="4"/>
           </p:nvPr>
-        </p:nvPicPr>
-        <p:blipFill rotWithShape="1">
-          <a:blip r:embed="rId2" cstate="email">
-            <a:extLst>
-              <a:ext uri="{28A0092B-C50C-407E-A947-70E740481C1C}">
-                <a14:useLocalDpi xmlns:a14="http://schemas.microsoft.com/office/drawing/2010/main"/>
-              </a:ext>
-            </a:extLst>
-          </a:blip>
-          <a:srcRect/>
-          <a:stretch/>
-        </p:blipFill>
-        <p:spPr>
-          <a:xfrm>
-            <a:off x="6177601" y="2793681"/>
-            <a:ext cx="5486400" cy="3028078"/>
-          </a:xfrm>
-        </p:spPr>
-      </p:pic>
-      <p:pic>
-        <p:nvPicPr>
-          <p:cNvPr id="15" name="Content Placeholder 14" descr="A screenshot of a cell phone&#10;&#10;Description automatically generated">
-            <a:extLst>
-              <a:ext uri="{FF2B5EF4-FFF2-40B4-BE49-F238E27FC236}">
-                <a16:creationId xmlns:a16="http://schemas.microsoft.com/office/drawing/2014/main" id="{1A4FADF5-A2DA-2A4B-A53E-D74D47969BF4}"/>
-              </a:ext>
-            </a:extLst>
-          </p:cNvPr>
-          <p:cNvPicPr>
-            <a:picLocks noGrp="1" noChangeAspect="1"/>
-          </p:cNvPicPr>
-          <p:nvPr>
-            <p:ph sz="half" idx="2"/>
-          </p:nvPr>
-        </p:nvPicPr>
-        <p:blipFill rotWithShape="1">
-          <a:blip r:embed="rId3" cstate="email">
-            <a:extLst>
-              <a:ext uri="{28A0092B-C50C-407E-A947-70E740481C1C}">
-                <a14:useLocalDpi xmlns:a14="http://schemas.microsoft.com/office/drawing/2010/main"/>
-              </a:ext>
-            </a:extLst>
-          </a:blip>
-          <a:srcRect/>
-          <a:stretch/>
-        </p:blipFill>
-        <p:spPr>
-          <a:xfrm>
-            <a:off x="527999" y="2793681"/>
-            <a:ext cx="5486400" cy="3027600"/>
-          </a:xfrm>
-        </p:spPr>
-      </p:pic>
+        </p:nvSpPr>
+        <p:spPr>
+          <a:xfrm>
+            <a:off x="6515943" y="2958273"/>
+            <a:ext cx="5139027" cy="3428013"/>
+          </a:xfrm>
+        </p:spPr>
+        <p:txBody>
+          <a:bodyPr>
+            <a:normAutofit fontScale="85000" lnSpcReduction="20000"/>
+          </a:bodyPr>
+          <a:lstStyle/>
+          <a:p>
+            <a:pPr>
+              <a:lnSpc>
+                <a:spcPct val="120000"/>
+              </a:lnSpc>
+              <a:spcBef>
+                <a:spcPts val="600"/>
+              </a:spcBef>
+            </a:pPr>
+            <a:r>
+              <a:rPr lang="en-US" b="1" dirty="0"/>
+              <a:t>Eta</a:t>
+            </a:r>
+            <a:r>
+              <a:rPr lang="en-US" dirty="0"/>
+              <a:t>: learning rate</a:t>
+            </a:r>
+          </a:p>
+          <a:p>
+            <a:pPr>
+              <a:lnSpc>
+                <a:spcPct val="120000"/>
+              </a:lnSpc>
+              <a:spcBef>
+                <a:spcPts val="600"/>
+              </a:spcBef>
+            </a:pPr>
+            <a:r>
+              <a:rPr lang="en-US" b="1" dirty="0"/>
+              <a:t>Gamma</a:t>
+            </a:r>
+            <a:r>
+              <a:rPr lang="en-US" dirty="0"/>
+              <a:t>: restricts splits between leaves</a:t>
+            </a:r>
+          </a:p>
+          <a:p>
+            <a:pPr>
+              <a:lnSpc>
+                <a:spcPct val="120000"/>
+              </a:lnSpc>
+              <a:spcBef>
+                <a:spcPts val="600"/>
+              </a:spcBef>
+            </a:pPr>
+            <a:r>
+              <a:rPr lang="en-US" b="1" dirty="0"/>
+              <a:t>Max Depth</a:t>
+            </a:r>
+            <a:r>
+              <a:rPr lang="en-US" dirty="0"/>
+              <a:t>: depth of decision tree</a:t>
+            </a:r>
+          </a:p>
+          <a:p>
+            <a:pPr>
+              <a:lnSpc>
+                <a:spcPct val="120000"/>
+              </a:lnSpc>
+              <a:spcBef>
+                <a:spcPts val="600"/>
+              </a:spcBef>
+            </a:pPr>
+            <a:r>
+              <a:rPr lang="en-US" b="1" dirty="0"/>
+              <a:t>Min Child Weight</a:t>
+            </a:r>
+            <a:r>
+              <a:rPr lang="en-US" dirty="0"/>
+              <a:t>: limits further partition</a:t>
+            </a:r>
+          </a:p>
+          <a:p>
+            <a:pPr>
+              <a:lnSpc>
+                <a:spcPct val="120000"/>
+              </a:lnSpc>
+              <a:spcBef>
+                <a:spcPts val="600"/>
+              </a:spcBef>
+            </a:pPr>
+            <a:r>
+              <a:rPr lang="en-US" b="1" dirty="0" err="1"/>
+              <a:t>ColSample</a:t>
+            </a:r>
+            <a:r>
+              <a:rPr lang="en-US" dirty="0"/>
+              <a:t>: number of features supplied to tree </a:t>
+            </a:r>
+          </a:p>
+          <a:p>
+            <a:pPr>
+              <a:lnSpc>
+                <a:spcPct val="120000"/>
+              </a:lnSpc>
+              <a:spcBef>
+                <a:spcPts val="600"/>
+              </a:spcBef>
+            </a:pPr>
+            <a:r>
+              <a:rPr lang="en-US" b="1" dirty="0"/>
+              <a:t>Alpha</a:t>
+            </a:r>
+            <a:r>
+              <a:rPr lang="en-US" dirty="0"/>
+              <a:t>: L1 Lasso penalization</a:t>
+            </a:r>
+          </a:p>
+          <a:p>
+            <a:pPr>
+              <a:lnSpc>
+                <a:spcPct val="120000"/>
+              </a:lnSpc>
+              <a:spcBef>
+                <a:spcPts val="600"/>
+              </a:spcBef>
+            </a:pPr>
+            <a:r>
+              <a:rPr lang="en-US" b="1" dirty="0"/>
+              <a:t>Lambda</a:t>
+            </a:r>
+            <a:r>
+              <a:rPr lang="en-US" dirty="0"/>
+              <a:t>: L2 Ridge penalization</a:t>
+            </a:r>
+          </a:p>
+          <a:p>
+            <a:pPr>
+              <a:lnSpc>
+                <a:spcPct val="120000"/>
+              </a:lnSpc>
+              <a:spcBef>
+                <a:spcPts val="600"/>
+              </a:spcBef>
+            </a:pPr>
+            <a:r>
+              <a:rPr lang="en-US" b="1" dirty="0"/>
+              <a:t>N Trees</a:t>
+            </a:r>
+            <a:r>
+              <a:rPr lang="en-US" dirty="0"/>
+              <a:t>: number of trees</a:t>
+            </a:r>
+          </a:p>
+        </p:txBody>
+      </p:sp>
     </p:spTree>
     <p:extLst>
       <p:ext uri="{BB962C8B-B14F-4D97-AF65-F5344CB8AC3E}">
-        <p14:creationId xmlns:p14="http://schemas.microsoft.com/office/powerpoint/2010/main" val="3032415014"/>
+        <p14:creationId xmlns:p14="http://schemas.microsoft.com/office/powerpoint/2010/main" val="1062399283"/>
       </p:ext>
     </p:extLst>
   </p:cSld>
@@ -8552,7 +8885,7 @@
           <p:cNvPr id="5" name="Title 4">
             <a:extLst>
               <a:ext uri="{FF2B5EF4-FFF2-40B4-BE49-F238E27FC236}">
-                <a16:creationId xmlns:a16="http://schemas.microsoft.com/office/drawing/2014/main" id="{F10C5F10-5078-684B-811B-62917A4F2934}"/>
+                <a16:creationId xmlns:a16="http://schemas.microsoft.com/office/drawing/2014/main" id="{E527277D-2966-704A-BA4C-1EB1CAFDDB6B}"/>
               </a:ext>
             </a:extLst>
           </p:cNvPr>
@@ -8570,17 +8903,85 @@
           <a:p>
             <a:r>
               <a:rPr lang="en-US" dirty="0"/>
-              <a:t>Feature Importance</a:t>
+              <a:t>Parameter Tuning</a:t>
+            </a:r>
+          </a:p>
+        </p:txBody>
+      </p:sp>
+      <p:sp>
+        <p:nvSpPr>
+          <p:cNvPr id="6" name="Text Placeholder 5">
+            <a:extLst>
+              <a:ext uri="{FF2B5EF4-FFF2-40B4-BE49-F238E27FC236}">
+                <a16:creationId xmlns:a16="http://schemas.microsoft.com/office/drawing/2014/main" id="{2E96153A-646F-6C4F-A04D-1626E51FEC86}"/>
+              </a:ext>
+            </a:extLst>
+          </p:cNvPr>
+          <p:cNvSpPr>
+            <a:spLocks noGrp="1"/>
+          </p:cNvSpPr>
+          <p:nvPr>
+            <p:ph type="body" idx="1"/>
+          </p:nvPr>
+        </p:nvSpPr>
+        <p:spPr>
+          <a:xfrm>
+            <a:off x="542453" y="2221004"/>
+            <a:ext cx="5457492" cy="736282"/>
+          </a:xfrm>
+        </p:spPr>
+        <p:txBody>
+          <a:bodyPr/>
+          <a:lstStyle/>
+          <a:p>
+            <a:pPr algn="ctr"/>
+            <a:r>
+              <a:rPr lang="en-US" dirty="0"/>
+              <a:t>Without Tuning</a:t>
+            </a:r>
+          </a:p>
+        </p:txBody>
+      </p:sp>
+      <p:sp>
+        <p:nvSpPr>
+          <p:cNvPr id="8" name="Text Placeholder 7">
+            <a:extLst>
+              <a:ext uri="{FF2B5EF4-FFF2-40B4-BE49-F238E27FC236}">
+                <a16:creationId xmlns:a16="http://schemas.microsoft.com/office/drawing/2014/main" id="{B051BC69-425D-D14B-9E16-E7688889DB1E}"/>
+              </a:ext>
+            </a:extLst>
+          </p:cNvPr>
+          <p:cNvSpPr>
+            <a:spLocks noGrp="1"/>
+          </p:cNvSpPr>
+          <p:nvPr>
+            <p:ph type="body" sz="quarter" idx="3"/>
+          </p:nvPr>
+        </p:nvSpPr>
+        <p:spPr>
+          <a:xfrm>
+            <a:off x="6241949" y="2221004"/>
+            <a:ext cx="5357704" cy="736282"/>
+          </a:xfrm>
+        </p:spPr>
+        <p:txBody>
+          <a:bodyPr/>
+          <a:lstStyle/>
+          <a:p>
+            <a:pPr algn="ctr"/>
+            <a:r>
+              <a:rPr lang="en-US" dirty="0"/>
+              <a:t>With Tuning</a:t>
             </a:r>
           </a:p>
         </p:txBody>
       </p:sp>
       <p:pic>
         <p:nvPicPr>
-          <p:cNvPr id="8" name="Content Placeholder 7" descr="A screenshot of a cell phone&#10;&#10;Description automatically generated">
-            <a:extLst>
-              <a:ext uri="{FF2B5EF4-FFF2-40B4-BE49-F238E27FC236}">
-                <a16:creationId xmlns:a16="http://schemas.microsoft.com/office/drawing/2014/main" id="{B330F918-3F5D-224E-8342-B52028D2E087}"/>
+          <p:cNvPr id="17" name="Content Placeholder 16" descr="A close up of a device&#10;&#10;Description automatically generated">
+            <a:extLst>
+              <a:ext uri="{FF2B5EF4-FFF2-40B4-BE49-F238E27FC236}">
+                <a16:creationId xmlns:a16="http://schemas.microsoft.com/office/drawing/2014/main" id="{A074723B-FBB1-0D46-94A9-56606037A405}"/>
               </a:ext>
             </a:extLst>
           </p:cNvPr>
@@ -8588,7 +8989,7 @@
             <a:picLocks noGrp="1" noChangeAspect="1"/>
           </p:cNvPicPr>
           <p:nvPr>
-            <p:ph idx="1"/>
+            <p:ph sz="quarter" idx="4"/>
           </p:nvPr>
         </p:nvPicPr>
         <p:blipFill rotWithShape="1">
@@ -8604,15 +9005,49 @@
         </p:blipFill>
         <p:spPr>
           <a:xfrm>
-            <a:off x="2041810" y="1951350"/>
-            <a:ext cx="8108380" cy="4423356"/>
+            <a:off x="6177601" y="2793681"/>
+            <a:ext cx="5486400" cy="3028078"/>
+          </a:xfrm>
+        </p:spPr>
+      </p:pic>
+      <p:pic>
+        <p:nvPicPr>
+          <p:cNvPr id="15" name="Content Placeholder 14" descr="A screenshot of a cell phone&#10;&#10;Description automatically generated">
+            <a:extLst>
+              <a:ext uri="{FF2B5EF4-FFF2-40B4-BE49-F238E27FC236}">
+                <a16:creationId xmlns:a16="http://schemas.microsoft.com/office/drawing/2014/main" id="{1A4FADF5-A2DA-2A4B-A53E-D74D47969BF4}"/>
+              </a:ext>
+            </a:extLst>
+          </p:cNvPr>
+          <p:cNvPicPr>
+            <a:picLocks noGrp="1" noChangeAspect="1"/>
+          </p:cNvPicPr>
+          <p:nvPr>
+            <p:ph sz="half" idx="2"/>
+          </p:nvPr>
+        </p:nvPicPr>
+        <p:blipFill rotWithShape="1">
+          <a:blip r:embed="rId3" cstate="email">
+            <a:extLst>
+              <a:ext uri="{28A0092B-C50C-407E-A947-70E740481C1C}">
+                <a14:useLocalDpi xmlns:a14="http://schemas.microsoft.com/office/drawing/2010/main"/>
+              </a:ext>
+            </a:extLst>
+          </a:blip>
+          <a:srcRect/>
+          <a:stretch/>
+        </p:blipFill>
+        <p:spPr>
+          <a:xfrm>
+            <a:off x="527999" y="2793681"/>
+            <a:ext cx="5486400" cy="3027600"/>
           </a:xfrm>
         </p:spPr>
       </p:pic>
     </p:spTree>
     <p:extLst>
       <p:ext uri="{BB962C8B-B14F-4D97-AF65-F5344CB8AC3E}">
-        <p14:creationId xmlns:p14="http://schemas.microsoft.com/office/powerpoint/2010/main" val="271956520"/>
+        <p14:creationId xmlns:p14="http://schemas.microsoft.com/office/powerpoint/2010/main" val="3032415014"/>
       </p:ext>
     </p:extLst>
   </p:cSld>
@@ -8641,10 +9076,10 @@
       </p:grpSpPr>
       <p:sp>
         <p:nvSpPr>
-          <p:cNvPr id="2" name="Title 1">
-            <a:extLst>
-              <a:ext uri="{FF2B5EF4-FFF2-40B4-BE49-F238E27FC236}">
-                <a16:creationId xmlns:a16="http://schemas.microsoft.com/office/drawing/2014/main" id="{FA896F94-89CE-2345-9432-FBA146215D32}"/>
+          <p:cNvPr id="5" name="Title 4">
+            <a:extLst>
+              <a:ext uri="{FF2B5EF4-FFF2-40B4-BE49-F238E27FC236}">
+                <a16:creationId xmlns:a16="http://schemas.microsoft.com/office/drawing/2014/main" id="{F10C5F10-5078-684B-811B-62917A4F2934}"/>
               </a:ext>
             </a:extLst>
           </p:cNvPr>
@@ -8662,369 +9097,49 @@
           <a:p>
             <a:r>
               <a:rPr lang="en-US" dirty="0"/>
-              <a:t>Cumulative Results</a:t>
-            </a:r>
-          </a:p>
-        </p:txBody>
-      </p:sp>
-      <p:graphicFrame>
-        <p:nvGraphicFramePr>
-          <p:cNvPr id="6" name="Content Placeholder 5">
-            <a:extLst>
-              <a:ext uri="{FF2B5EF4-FFF2-40B4-BE49-F238E27FC236}">
-                <a16:creationId xmlns:a16="http://schemas.microsoft.com/office/drawing/2014/main" id="{AFA1F775-4511-7847-9663-76676D6D9125}"/>
-              </a:ext>
-            </a:extLst>
-          </p:cNvPr>
-          <p:cNvGraphicFramePr>
-            <a:graphicFrameLocks noGrp="1"/>
-          </p:cNvGraphicFramePr>
+              <a:t>Feature Importance</a:t>
+            </a:r>
+          </a:p>
+        </p:txBody>
+      </p:sp>
+      <p:pic>
+        <p:nvPicPr>
+          <p:cNvPr id="8" name="Content Placeholder 7" descr="A screenshot of a cell phone&#10;&#10;Description automatically generated">
+            <a:extLst>
+              <a:ext uri="{FF2B5EF4-FFF2-40B4-BE49-F238E27FC236}">
+                <a16:creationId xmlns:a16="http://schemas.microsoft.com/office/drawing/2014/main" id="{B330F918-3F5D-224E-8342-B52028D2E087}"/>
+              </a:ext>
+            </a:extLst>
+          </p:cNvPr>
+          <p:cNvPicPr>
+            <a:picLocks noGrp="1" noChangeAspect="1"/>
+          </p:cNvPicPr>
           <p:nvPr>
             <p:ph idx="1"/>
-            <p:extLst>
-              <p:ext uri="{D42A27DB-BD31-4B8C-83A1-F6EECF244321}">
-                <p14:modId xmlns:p14="http://schemas.microsoft.com/office/powerpoint/2010/main" val="549708891"/>
-              </p:ext>
-            </p:extLst>
-          </p:nvPr>
-        </p:nvGraphicFramePr>
-        <p:xfrm>
-          <a:off x="1096963" y="2108200"/>
-          <a:ext cx="10058400" cy="1854200"/>
-        </p:xfrm>
-        <a:graphic>
-          <a:graphicData uri="http://schemas.openxmlformats.org/drawingml/2006/table">
-            <a:tbl>
-              <a:tblPr firstRow="1" bandRow="1">
-                <a:tableStyleId>{5C22544A-7EE6-4342-B048-85BDC9FD1C3A}</a:tableStyleId>
-              </a:tblPr>
-              <a:tblGrid>
-                <a:gridCol w="2514600">
-                  <a:extLst>
-                    <a:ext uri="{9D8B030D-6E8A-4147-A177-3AD203B41FA5}">
-                      <a16:colId xmlns:a16="http://schemas.microsoft.com/office/drawing/2014/main" val="1757453197"/>
-                    </a:ext>
-                  </a:extLst>
-                </a:gridCol>
-                <a:gridCol w="2514600">
-                  <a:extLst>
-                    <a:ext uri="{9D8B030D-6E8A-4147-A177-3AD203B41FA5}">
-                      <a16:colId xmlns:a16="http://schemas.microsoft.com/office/drawing/2014/main" val="452354511"/>
-                    </a:ext>
-                  </a:extLst>
-                </a:gridCol>
-                <a:gridCol w="2514600">
-                  <a:extLst>
-                    <a:ext uri="{9D8B030D-6E8A-4147-A177-3AD203B41FA5}">
-                      <a16:colId xmlns:a16="http://schemas.microsoft.com/office/drawing/2014/main" val="1880204383"/>
-                    </a:ext>
-                  </a:extLst>
-                </a:gridCol>
-                <a:gridCol w="2514600">
-                  <a:extLst>
-                    <a:ext uri="{9D8B030D-6E8A-4147-A177-3AD203B41FA5}">
-                      <a16:colId xmlns:a16="http://schemas.microsoft.com/office/drawing/2014/main" val="3936517763"/>
-                    </a:ext>
-                  </a:extLst>
-                </a:gridCol>
-              </a:tblGrid>
-              <a:tr h="370840">
-                <a:tc>
-                  <a:txBody>
-                    <a:bodyPr/>
-                    <a:lstStyle/>
-                    <a:p>
-                      <a:pPr algn="ctr"/>
-                      <a:r>
-                        <a:rPr lang="en-US" dirty="0"/>
-                        <a:t>Model</a:t>
-                      </a:r>
-                    </a:p>
-                  </a:txBody>
-                  <a:tcPr/>
-                </a:tc>
-                <a:tc>
-                  <a:txBody>
-                    <a:bodyPr/>
-                    <a:lstStyle/>
-                    <a:p>
-                      <a:pPr algn="ctr"/>
-                      <a:r>
-                        <a:rPr lang="en-US" dirty="0"/>
-                        <a:t>CV Train RMSE</a:t>
-                      </a:r>
-                    </a:p>
-                  </a:txBody>
-                  <a:tcPr/>
-                </a:tc>
-                <a:tc>
-                  <a:txBody>
-                    <a:bodyPr/>
-                    <a:lstStyle/>
-                    <a:p>
-                      <a:pPr algn="ctr"/>
-                      <a:r>
-                        <a:rPr lang="en-US" dirty="0"/>
-                        <a:t>CV Test RMSE</a:t>
-                      </a:r>
-                    </a:p>
-                  </a:txBody>
-                  <a:tcPr/>
-                </a:tc>
-                <a:tc>
-                  <a:txBody>
-                    <a:bodyPr/>
-                    <a:lstStyle/>
-                    <a:p>
-                      <a:pPr algn="ctr"/>
-                      <a:r>
-                        <a:rPr lang="en-US" dirty="0"/>
-                        <a:t>Kaggle RMSE</a:t>
-                      </a:r>
-                    </a:p>
-                  </a:txBody>
-                  <a:tcPr/>
-                </a:tc>
-                <a:extLst>
-                  <a:ext uri="{0D108BD9-81ED-4DB2-BD59-A6C34878D82A}">
-                    <a16:rowId xmlns:a16="http://schemas.microsoft.com/office/drawing/2014/main" val="4021297894"/>
-                  </a:ext>
-                </a:extLst>
-              </a:tr>
-              <a:tr h="370840">
-                <a:tc>
-                  <a:txBody>
-                    <a:bodyPr/>
-                    <a:lstStyle/>
-                    <a:p>
-                      <a:pPr algn="ctr"/>
-                      <a:endParaRPr lang="en-US"/>
-                    </a:p>
-                  </a:txBody>
-                  <a:tcPr/>
-                </a:tc>
-                <a:tc>
-                  <a:txBody>
-                    <a:bodyPr/>
-                    <a:lstStyle/>
-                    <a:p>
-                      <a:pPr algn="ctr"/>
-                      <a:endParaRPr lang="en-US"/>
-                    </a:p>
-                  </a:txBody>
-                  <a:tcPr/>
-                </a:tc>
-                <a:tc>
-                  <a:txBody>
-                    <a:bodyPr/>
-                    <a:lstStyle/>
-                    <a:p>
-                      <a:pPr algn="ctr"/>
-                      <a:endParaRPr lang="en-US"/>
-                    </a:p>
-                  </a:txBody>
-                  <a:tcPr/>
-                </a:tc>
-                <a:tc>
-                  <a:txBody>
-                    <a:bodyPr/>
-                    <a:lstStyle/>
-                    <a:p>
-                      <a:pPr algn="ctr"/>
-                      <a:endParaRPr lang="en-US"/>
-                    </a:p>
-                  </a:txBody>
-                  <a:tcPr/>
-                </a:tc>
-                <a:extLst>
-                  <a:ext uri="{0D108BD9-81ED-4DB2-BD59-A6C34878D82A}">
-                    <a16:rowId xmlns:a16="http://schemas.microsoft.com/office/drawing/2014/main" val="3924929828"/>
-                  </a:ext>
-                </a:extLst>
-              </a:tr>
-              <a:tr h="370840">
-                <a:tc>
-                  <a:txBody>
-                    <a:bodyPr/>
-                    <a:lstStyle/>
-                    <a:p>
-                      <a:pPr algn="ctr"/>
-                      <a:endParaRPr lang="en-US"/>
-                    </a:p>
-                  </a:txBody>
-                  <a:tcPr/>
-                </a:tc>
-                <a:tc>
-                  <a:txBody>
-                    <a:bodyPr/>
-                    <a:lstStyle/>
-                    <a:p>
-                      <a:pPr algn="ctr"/>
-                      <a:endParaRPr lang="en-US"/>
-                    </a:p>
-                  </a:txBody>
-                  <a:tcPr/>
-                </a:tc>
-                <a:tc>
-                  <a:txBody>
-                    <a:bodyPr/>
-                    <a:lstStyle/>
-                    <a:p>
-                      <a:pPr algn="ctr"/>
-                      <a:endParaRPr lang="en-US"/>
-                    </a:p>
-                  </a:txBody>
-                  <a:tcPr/>
-                </a:tc>
-                <a:tc>
-                  <a:txBody>
-                    <a:bodyPr/>
-                    <a:lstStyle/>
-                    <a:p>
-                      <a:pPr algn="ctr"/>
-                      <a:endParaRPr lang="en-US"/>
-                    </a:p>
-                  </a:txBody>
-                  <a:tcPr/>
-                </a:tc>
-                <a:extLst>
-                  <a:ext uri="{0D108BD9-81ED-4DB2-BD59-A6C34878D82A}">
-                    <a16:rowId xmlns:a16="http://schemas.microsoft.com/office/drawing/2014/main" val="266365378"/>
-                  </a:ext>
-                </a:extLst>
-              </a:tr>
-              <a:tr h="370840">
-                <a:tc>
-                  <a:txBody>
-                    <a:bodyPr/>
-                    <a:lstStyle/>
-                    <a:p>
-                      <a:pPr algn="ctr"/>
-                      <a:endParaRPr lang="en-US"/>
-                    </a:p>
-                  </a:txBody>
-                  <a:tcPr/>
-                </a:tc>
-                <a:tc>
-                  <a:txBody>
-                    <a:bodyPr/>
-                    <a:lstStyle/>
-                    <a:p>
-                      <a:pPr algn="ctr"/>
-                      <a:endParaRPr lang="en-US"/>
-                    </a:p>
-                  </a:txBody>
-                  <a:tcPr/>
-                </a:tc>
-                <a:tc>
-                  <a:txBody>
-                    <a:bodyPr/>
-                    <a:lstStyle/>
-                    <a:p>
-                      <a:pPr algn="ctr"/>
-                      <a:endParaRPr lang="en-US"/>
-                    </a:p>
-                  </a:txBody>
-                  <a:tcPr/>
-                </a:tc>
-                <a:tc>
-                  <a:txBody>
-                    <a:bodyPr/>
-                    <a:lstStyle/>
-                    <a:p>
-                      <a:pPr algn="ctr"/>
-                      <a:endParaRPr lang="en-US"/>
-                    </a:p>
-                  </a:txBody>
-                  <a:tcPr/>
-                </a:tc>
-                <a:extLst>
-                  <a:ext uri="{0D108BD9-81ED-4DB2-BD59-A6C34878D82A}">
-                    <a16:rowId xmlns:a16="http://schemas.microsoft.com/office/drawing/2014/main" val="194181049"/>
-                  </a:ext>
-                </a:extLst>
-              </a:tr>
-              <a:tr h="370840">
-                <a:tc>
-                  <a:txBody>
-                    <a:bodyPr/>
-                    <a:lstStyle/>
-                    <a:p>
-                      <a:pPr algn="ctr"/>
-                      <a:r>
-                        <a:rPr lang="en-US" dirty="0" err="1"/>
-                        <a:t>XGBoost</a:t>
-                      </a:r>
-                      <a:endParaRPr lang="en-US" dirty="0"/>
-                    </a:p>
-                  </a:txBody>
-                  <a:tcPr/>
-                </a:tc>
-                <a:tc>
-                  <a:txBody>
-                    <a:bodyPr/>
-                    <a:lstStyle/>
-                    <a:p>
-                      <a:pPr algn="ctr"/>
-                      <a:r>
-                        <a:rPr lang="en-US" dirty="0"/>
-                        <a:t>.0815</a:t>
-                      </a:r>
-                    </a:p>
-                  </a:txBody>
-                  <a:tcPr/>
-                </a:tc>
-                <a:tc>
-                  <a:txBody>
-                    <a:bodyPr/>
-                    <a:lstStyle/>
-                    <a:p>
-                      <a:pPr algn="ctr"/>
-                      <a:r>
-                        <a:rPr lang="en-US" dirty="0"/>
-                        <a:t>.1137</a:t>
-                      </a:r>
-                    </a:p>
-                  </a:txBody>
-                  <a:tcPr/>
-                </a:tc>
-                <a:tc>
-                  <a:txBody>
-                    <a:bodyPr/>
-                    <a:lstStyle/>
-                    <a:p>
-                      <a:pPr algn="ctr"/>
-                      <a:r>
-                        <a:rPr lang="en-US" sz="1800" b="0" i="0" kern="1200" dirty="0">
-                          <a:solidFill>
-                            <a:schemeClr val="dk1"/>
-                          </a:solidFill>
-                          <a:effectLst/>
-                          <a:latin typeface="+mn-lt"/>
-                          <a:ea typeface="+mn-ea"/>
-                          <a:cs typeface="+mn-cs"/>
-                        </a:rPr>
-                        <a:t>0.1340</a:t>
-                      </a:r>
-                      <a:endParaRPr lang="en-US" dirty="0"/>
-                    </a:p>
-                  </a:txBody>
-                  <a:tcPr/>
-                </a:tc>
-                <a:extLst>
-                  <a:ext uri="{0D108BD9-81ED-4DB2-BD59-A6C34878D82A}">
-                    <a16:rowId xmlns:a16="http://schemas.microsoft.com/office/drawing/2014/main" val="1933191145"/>
-                  </a:ext>
-                </a:extLst>
-              </a:tr>
-            </a:tbl>
-          </a:graphicData>
-        </a:graphic>
-      </p:graphicFrame>
+          </p:nvPr>
+        </p:nvPicPr>
+        <p:blipFill rotWithShape="1">
+          <a:blip r:embed="rId2" cstate="email">
+            <a:extLst>
+              <a:ext uri="{28A0092B-C50C-407E-A947-70E740481C1C}">
+                <a14:useLocalDpi xmlns:a14="http://schemas.microsoft.com/office/drawing/2010/main"/>
+              </a:ext>
+            </a:extLst>
+          </a:blip>
+          <a:srcRect/>
+          <a:stretch/>
+        </p:blipFill>
+        <p:spPr>
+          <a:xfrm>
+            <a:off x="2041810" y="1951350"/>
+            <a:ext cx="8108380" cy="4423356"/>
+          </a:xfrm>
+        </p:spPr>
+      </p:pic>
     </p:spTree>
     <p:extLst>
       <p:ext uri="{BB962C8B-B14F-4D97-AF65-F5344CB8AC3E}">
-        <p14:creationId xmlns:p14="http://schemas.microsoft.com/office/powerpoint/2010/main" val="4022417125"/>
+        <p14:creationId xmlns:p14="http://schemas.microsoft.com/office/powerpoint/2010/main" val="271956520"/>
       </p:ext>
     </p:extLst>
   </p:cSld>
@@ -9056,6 +9171,353 @@
           <p:cNvPr id="2" name="Title 1">
             <a:extLst>
               <a:ext uri="{FF2B5EF4-FFF2-40B4-BE49-F238E27FC236}">
+                <a16:creationId xmlns:a16="http://schemas.microsoft.com/office/drawing/2014/main" id="{F1466941-07FD-6145-8715-B36F72EA8E99}"/>
+              </a:ext>
+            </a:extLst>
+          </p:cNvPr>
+          <p:cNvSpPr>
+            <a:spLocks noGrp="1"/>
+          </p:cNvSpPr>
+          <p:nvPr>
+            <p:ph type="title"/>
+          </p:nvPr>
+        </p:nvSpPr>
+        <p:spPr/>
+        <p:txBody>
+          <a:bodyPr/>
+          <a:lstStyle/>
+          <a:p>
+            <a:r>
+              <a:rPr lang="en-US" dirty="0"/>
+              <a:t>Flipping Houses</a:t>
+            </a:r>
+          </a:p>
+        </p:txBody>
+      </p:sp>
+      <p:sp>
+        <p:nvSpPr>
+          <p:cNvPr id="3" name="Content Placeholder 2">
+            <a:extLst>
+              <a:ext uri="{FF2B5EF4-FFF2-40B4-BE49-F238E27FC236}">
+                <a16:creationId xmlns:a16="http://schemas.microsoft.com/office/drawing/2014/main" id="{89013023-AC68-D241-9209-20926880EDED}"/>
+              </a:ext>
+            </a:extLst>
+          </p:cNvPr>
+          <p:cNvSpPr>
+            <a:spLocks noGrp="1"/>
+          </p:cNvSpPr>
+          <p:nvPr>
+            <p:ph sz="half" idx="1"/>
+          </p:nvPr>
+        </p:nvSpPr>
+        <p:spPr/>
+        <p:txBody>
+          <a:bodyPr>
+            <a:normAutofit fontScale="92500" lnSpcReduction="10000"/>
+          </a:bodyPr>
+          <a:lstStyle/>
+          <a:p>
+            <a:r>
+              <a:rPr lang="en-US" dirty="0"/>
+              <a:t>What are the Features that homeowners can control to make their homes more valuable?</a:t>
+            </a:r>
+          </a:p>
+        </p:txBody>
+      </p:sp>
+      <p:sp>
+        <p:nvSpPr>
+          <p:cNvPr id="4" name="Content Placeholder 3">
+            <a:extLst>
+              <a:ext uri="{FF2B5EF4-FFF2-40B4-BE49-F238E27FC236}">
+                <a16:creationId xmlns:a16="http://schemas.microsoft.com/office/drawing/2014/main" id="{BF83AB58-533E-F64A-920F-F0D808E6F5B6}"/>
+              </a:ext>
+            </a:extLst>
+          </p:cNvPr>
+          <p:cNvSpPr>
+            <a:spLocks noGrp="1"/>
+          </p:cNvSpPr>
+          <p:nvPr>
+            <p:ph sz="half" idx="2"/>
+          </p:nvPr>
+        </p:nvSpPr>
+        <p:spPr/>
+        <p:txBody>
+          <a:bodyPr>
+            <a:normAutofit fontScale="92500" lnSpcReduction="10000"/>
+          </a:bodyPr>
+          <a:lstStyle/>
+          <a:p>
+            <a:pPr fontAlgn="base"/>
+            <a:r>
+              <a:rPr lang="en-US" dirty="0"/>
+              <a:t>Key features </a:t>
+            </a:r>
+          </a:p>
+          <a:p>
+            <a:pPr lvl="1" fontAlgn="base"/>
+            <a:r>
+              <a:rPr lang="en-US" dirty="0"/>
+              <a:t>Unfinished basement </a:t>
+            </a:r>
+          </a:p>
+          <a:p>
+            <a:pPr lvl="1" fontAlgn="base"/>
+            <a:r>
+              <a:rPr lang="en-US" dirty="0"/>
+              <a:t>Overall quality </a:t>
+            </a:r>
+          </a:p>
+          <a:p>
+            <a:pPr lvl="1" fontAlgn="base"/>
+            <a:r>
+              <a:rPr lang="en-US" dirty="0"/>
+              <a:t>Central Air </a:t>
+            </a:r>
+          </a:p>
+          <a:p>
+            <a:pPr lvl="1" fontAlgn="base"/>
+            <a:r>
+              <a:rPr lang="en-US" dirty="0"/>
+              <a:t>Gas heating </a:t>
+            </a:r>
+          </a:p>
+          <a:p>
+            <a:pPr lvl="1" fontAlgn="base"/>
+            <a:r>
+              <a:rPr lang="en-US" dirty="0"/>
+              <a:t>Number of rooms </a:t>
+            </a:r>
+          </a:p>
+          <a:p>
+            <a:pPr fontAlgn="base"/>
+            <a:r>
+              <a:rPr lang="en-US" dirty="0"/>
+              <a:t>Base price dependent </a:t>
+            </a:r>
+          </a:p>
+          <a:p>
+            <a:pPr lvl="1" fontAlgn="base"/>
+            <a:r>
+              <a:rPr lang="en-US" dirty="0"/>
+              <a:t>Neighborhood </a:t>
+            </a:r>
+          </a:p>
+          <a:p>
+            <a:pPr lvl="1" fontAlgn="base"/>
+            <a:r>
+              <a:rPr lang="en-US" dirty="0"/>
+              <a:t>Age </a:t>
+            </a:r>
+          </a:p>
+          <a:p>
+            <a:pPr lvl="1" fontAlgn="base"/>
+            <a:r>
+              <a:rPr lang="en-US" dirty="0"/>
+              <a:t>Zoning </a:t>
+            </a:r>
+          </a:p>
+          <a:p>
+            <a:endParaRPr lang="en-US" dirty="0"/>
+          </a:p>
+        </p:txBody>
+      </p:sp>
+    </p:spTree>
+    <p:extLst>
+      <p:ext uri="{BB962C8B-B14F-4D97-AF65-F5344CB8AC3E}">
+        <p14:creationId xmlns:p14="http://schemas.microsoft.com/office/powerpoint/2010/main" val="1729459531"/>
+      </p:ext>
+    </p:extLst>
+  </p:cSld>
+  <p:clrMapOvr>
+    <a:masterClrMapping/>
+  </p:clrMapOvr>
+</p:sld>
+</file>
+
+<file path=ppt/slides/slide24.xml><?xml version="1.0" encoding="utf-8"?>
+<p:sld xmlns:a="http://schemas.openxmlformats.org/drawingml/2006/main" xmlns:r="http://schemas.openxmlformats.org/officeDocument/2006/relationships" xmlns:p="http://schemas.openxmlformats.org/presentationml/2006/main">
+  <p:cSld>
+    <p:spTree>
+      <p:nvGrpSpPr>
+        <p:cNvPr id="1" name=""/>
+        <p:cNvGrpSpPr/>
+        <p:nvPr/>
+      </p:nvGrpSpPr>
+      <p:grpSpPr>
+        <a:xfrm>
+          <a:off x="0" y="0"/>
+          <a:ext cx="0" cy="0"/>
+          <a:chOff x="0" y="0"/>
+          <a:chExt cx="0" cy="0"/>
+        </a:xfrm>
+      </p:grpSpPr>
+      <p:sp>
+        <p:nvSpPr>
+          <p:cNvPr id="2" name="Title 1">
+            <a:extLst>
+              <a:ext uri="{FF2B5EF4-FFF2-40B4-BE49-F238E27FC236}">
+                <a16:creationId xmlns:a16="http://schemas.microsoft.com/office/drawing/2014/main" id="{DE81C928-3794-6043-AD9F-C1FC242F864C}"/>
+              </a:ext>
+            </a:extLst>
+          </p:cNvPr>
+          <p:cNvSpPr>
+            <a:spLocks noGrp="1"/>
+          </p:cNvSpPr>
+          <p:nvPr>
+            <p:ph type="title"/>
+          </p:nvPr>
+        </p:nvSpPr>
+        <p:spPr/>
+        <p:txBody>
+          <a:bodyPr/>
+          <a:lstStyle/>
+          <a:p>
+            <a:r>
+              <a:rPr lang="en-US" dirty="0"/>
+              <a:t>Lasso: Only Upgradable Features</a:t>
+            </a:r>
+          </a:p>
+        </p:txBody>
+      </p:sp>
+      <p:pic>
+        <p:nvPicPr>
+          <p:cNvPr id="13" name="Content Placeholder 12">
+            <a:extLst>
+              <a:ext uri="{FF2B5EF4-FFF2-40B4-BE49-F238E27FC236}">
+                <a16:creationId xmlns:a16="http://schemas.microsoft.com/office/drawing/2014/main" id="{147F2496-829B-6942-9301-3A2B793EFBF6}"/>
+              </a:ext>
+            </a:extLst>
+          </p:cNvPr>
+          <p:cNvPicPr>
+            <a:picLocks noGrp="1" noChangeAspect="1"/>
+          </p:cNvPicPr>
+          <p:nvPr>
+            <p:ph sz="quarter" idx="4"/>
+          </p:nvPr>
+        </p:nvPicPr>
+        <p:blipFill>
+          <a:blip r:embed="rId2"/>
+          <a:stretch>
+            <a:fillRect/>
+          </a:stretch>
+        </p:blipFill>
+        <p:spPr>
+          <a:xfrm>
+            <a:off x="6342222" y="2720342"/>
+            <a:ext cx="5486400" cy="3657600"/>
+          </a:xfrm>
+          <a:prstGeom prst="rect">
+            <a:avLst/>
+          </a:prstGeom>
+        </p:spPr>
+      </p:pic>
+      <p:pic>
+        <p:nvPicPr>
+          <p:cNvPr id="12" name="Content Placeholder 11">
+            <a:extLst>
+              <a:ext uri="{FF2B5EF4-FFF2-40B4-BE49-F238E27FC236}">
+                <a16:creationId xmlns:a16="http://schemas.microsoft.com/office/drawing/2014/main" id="{6F62DC9C-6D6B-F249-BC63-8B7DD60409F6}"/>
+              </a:ext>
+            </a:extLst>
+          </p:cNvPr>
+          <p:cNvPicPr>
+            <a:picLocks noGrp="1" noChangeAspect="1"/>
+          </p:cNvPicPr>
+          <p:nvPr>
+            <p:ph sz="half" idx="2"/>
+          </p:nvPr>
+        </p:nvPicPr>
+        <p:blipFill>
+          <a:blip r:embed="rId3"/>
+          <a:stretch>
+            <a:fillRect/>
+          </a:stretch>
+        </p:blipFill>
+        <p:spPr>
+          <a:xfrm>
+            <a:off x="363378" y="2720341"/>
+            <a:ext cx="5486400" cy="3657601"/>
+          </a:xfrm>
+          <a:prstGeom prst="rect">
+            <a:avLst/>
+          </a:prstGeom>
+        </p:spPr>
+      </p:pic>
+      <p:sp>
+        <p:nvSpPr>
+          <p:cNvPr id="18" name="Rectangle 17">
+            <a:extLst>
+              <a:ext uri="{FF2B5EF4-FFF2-40B4-BE49-F238E27FC236}">
+                <a16:creationId xmlns:a16="http://schemas.microsoft.com/office/drawing/2014/main" id="{A2EBD1A0-5F2A-C740-AC6E-7B1424E6B7E7}"/>
+              </a:ext>
+            </a:extLst>
+          </p:cNvPr>
+          <p:cNvSpPr/>
+          <p:nvPr/>
+        </p:nvSpPr>
+        <p:spPr>
+          <a:xfrm>
+            <a:off x="363378" y="2054275"/>
+            <a:ext cx="11465244" cy="646331"/>
+          </a:xfrm>
+          <a:prstGeom prst="rect">
+            <a:avLst/>
+          </a:prstGeom>
+        </p:spPr>
+        <p:txBody>
+          <a:bodyPr wrap="square">
+            <a:spAutoFit/>
+          </a:bodyPr>
+          <a:lstStyle/>
+          <a:p>
+            <a:r>
+              <a:rPr lang="en-US" dirty="0">
+                <a:solidFill>
+                  <a:srgbClr val="595959"/>
+                </a:solidFill>
+                <a:latin typeface="Arial" panose="020B0604020202020204" pitchFamily="34" charset="0"/>
+              </a:rPr>
+              <a:t>Of the 17 variables included, only one (# of kitchens) was dropped: most of the variables that homeowners can improve are proven to be significant in improving sale price.</a:t>
+            </a:r>
+            <a:endParaRPr lang="en-US" dirty="0"/>
+          </a:p>
+        </p:txBody>
+      </p:sp>
+    </p:spTree>
+    <p:extLst>
+      <p:ext uri="{BB962C8B-B14F-4D97-AF65-F5344CB8AC3E}">
+        <p14:creationId xmlns:p14="http://schemas.microsoft.com/office/powerpoint/2010/main" val="3264436879"/>
+      </p:ext>
+    </p:extLst>
+  </p:cSld>
+  <p:clrMapOvr>
+    <a:masterClrMapping/>
+  </p:clrMapOvr>
+</p:sld>
+</file>
+
+<file path=ppt/slides/slide25.xml><?xml version="1.0" encoding="utf-8"?>
+<p:sld xmlns:a="http://schemas.openxmlformats.org/drawingml/2006/main" xmlns:r="http://schemas.openxmlformats.org/officeDocument/2006/relationships" xmlns:p="http://schemas.openxmlformats.org/presentationml/2006/main">
+  <p:cSld>
+    <p:spTree>
+      <p:nvGrpSpPr>
+        <p:cNvPr id="1" name=""/>
+        <p:cNvGrpSpPr/>
+        <p:nvPr/>
+      </p:nvGrpSpPr>
+      <p:grpSpPr>
+        <a:xfrm>
+          <a:off x="0" y="0"/>
+          <a:ext cx="0" cy="0"/>
+          <a:chOff x="0" y="0"/>
+          <a:chExt cx="0" cy="0"/>
+        </a:xfrm>
+      </p:grpSpPr>
+      <p:sp>
+        <p:nvSpPr>
+          <p:cNvPr id="2" name="Title 1">
+            <a:extLst>
+              <a:ext uri="{FF2B5EF4-FFF2-40B4-BE49-F238E27FC236}">
                 <a16:creationId xmlns:a16="http://schemas.microsoft.com/office/drawing/2014/main" id="{3AB1133E-3574-1F43-A922-12D6491C5603}"/>
               </a:ext>
             </a:extLst>
@@ -9117,7 +9579,7 @@
 </p:sld>
 </file>
 
-<file path=ppt/slides/slide24.xml><?xml version="1.0" encoding="utf-8"?>
+<file path=ppt/slides/slide26.xml><?xml version="1.0" encoding="utf-8"?>
 <p:sld xmlns:a="http://schemas.openxmlformats.org/drawingml/2006/main" xmlns:r="http://schemas.openxmlformats.org/officeDocument/2006/relationships" xmlns:p="http://schemas.openxmlformats.org/presentationml/2006/main">
   <p:cSld>
     <p:bg>
@@ -9582,7 +10044,7 @@
 </p:sld>
 </file>
 
-<file path=ppt/slides/slide25.xml><?xml version="1.0" encoding="utf-8"?>
+<file path=ppt/slides/slide27.xml><?xml version="1.0" encoding="utf-8"?>
 <p:sld xmlns:a="http://schemas.openxmlformats.org/drawingml/2006/main" xmlns:r="http://schemas.openxmlformats.org/officeDocument/2006/relationships" xmlns:p="http://schemas.openxmlformats.org/presentationml/2006/main">
   <p:cSld>
     <p:bg>
